--- a/Lecture#17/Lecture_17_presentation.pptx
+++ b/Lecture#17/Lecture_17_presentation.pptx
@@ -6,29 +6,30 @@
     <p:sldMasterId id="2147483665" r:id="rId2"/>
   </p:sldMasterIdLst>
   <p:notesMasterIdLst>
-    <p:notesMasterId r:id="rId20"/>
+    <p:notesMasterId r:id="rId21"/>
   </p:notesMasterIdLst>
   <p:handoutMasterIdLst>
-    <p:handoutMasterId r:id="rId21"/>
+    <p:handoutMasterId r:id="rId22"/>
   </p:handoutMasterIdLst>
   <p:sldIdLst>
     <p:sldId id="260" r:id="rId3"/>
     <p:sldId id="398" r:id="rId4"/>
     <p:sldId id="403" r:id="rId5"/>
-    <p:sldId id="388" r:id="rId6"/>
-    <p:sldId id="404" r:id="rId7"/>
-    <p:sldId id="389" r:id="rId8"/>
-    <p:sldId id="406" r:id="rId9"/>
-    <p:sldId id="405" r:id="rId10"/>
-    <p:sldId id="407" r:id="rId11"/>
-    <p:sldId id="390" r:id="rId12"/>
-    <p:sldId id="408" r:id="rId13"/>
-    <p:sldId id="409" r:id="rId14"/>
-    <p:sldId id="391" r:id="rId15"/>
-    <p:sldId id="392" r:id="rId16"/>
-    <p:sldId id="393" r:id="rId17"/>
-    <p:sldId id="401" r:id="rId18"/>
-    <p:sldId id="402" r:id="rId19"/>
+    <p:sldId id="389" r:id="rId6"/>
+    <p:sldId id="406" r:id="rId7"/>
+    <p:sldId id="405" r:id="rId8"/>
+    <p:sldId id="407" r:id="rId9"/>
+    <p:sldId id="410" r:id="rId10"/>
+    <p:sldId id="390" r:id="rId11"/>
+    <p:sldId id="408" r:id="rId12"/>
+    <p:sldId id="409" r:id="rId13"/>
+    <p:sldId id="392" r:id="rId14"/>
+    <p:sldId id="393" r:id="rId15"/>
+    <p:sldId id="401" r:id="rId16"/>
+    <p:sldId id="402" r:id="rId17"/>
+    <p:sldId id="411" r:id="rId18"/>
+    <p:sldId id="412" r:id="rId19"/>
+    <p:sldId id="391" r:id="rId20"/>
   </p:sldIdLst>
   <p:sldSz cx="10058400" cy="7772400"/>
   <p:notesSz cx="7315200" cy="9601200"/>
@@ -281,7 +282,7 @@
                 </a:solidFill>
               </a:rPr>
               <a:pPr/>
-              <a:t>3/26/2019</a:t>
+              <a:t>10/29/2019</a:t>
             </a:fld>
             <a:endParaRPr lang="en-US" dirty="0">
               <a:solidFill>
@@ -442,7 +443,7 @@
             <a:fld id="{DBF7D493-8EEB-7E45-916B-5FBC49ABC710}" type="datetimeFigureOut">
               <a:rPr lang="en-US" smtClean="0"/>
               <a:pPr/>
-              <a:t>3/26/2019</a:t>
+              <a:t>10/29/2019</a:t>
             </a:fld>
             <a:endParaRPr lang="en-US" dirty="0"/>
           </a:p>
@@ -3048,13 +3049,8 @@
           <a:p>
             <a:r>
               <a:rPr lang="en-US" dirty="0"/>
-              <a:t>Using </a:t>
-            </a:r>
-            <a:r>
-              <a:rPr lang="en-US" dirty="0" err="1"/>
-              <a:t>typedef</a:t>
-            </a:r>
-            <a:endParaRPr lang="en-US" dirty="0"/>
+              <a:t>Using typedef  (both approaches are same)</a:t>
+            </a:r>
           </a:p>
         </p:txBody>
       </p:sp>
@@ -3078,65 +3074,33 @@
           <a:bodyPr/>
           <a:lstStyle/>
           <a:p>
-            <a:pPr lvl="0"/>
-            <a:r>
-              <a:rPr lang="en-US" sz="2400" dirty="0"/>
-              <a:t>C allows to give names to user-defined data types using typedef keyword.  Thus, we can give an alternative (shorter) name to “struct tag“:</a:t>
-            </a:r>
-          </a:p>
-          <a:p>
-            <a:pPr lvl="1"/>
-            <a:r>
-              <a:rPr lang="en-US" sz="2400" dirty="0"/>
-              <a:t>typedef struct tag </a:t>
-            </a:r>
-            <a:r>
-              <a:rPr lang="en-US" sz="2400" dirty="0" err="1"/>
-              <a:t>myType</a:t>
-            </a:r>
-            <a:r>
-              <a:rPr lang="en-US" sz="2400" dirty="0"/>
-              <a:t>;</a:t>
-            </a:r>
-            <a:br>
-              <a:rPr lang="en-US" sz="2400" dirty="0"/>
-            </a:br>
-            <a:r>
-              <a:rPr lang="en-US" sz="2400" dirty="0" err="1"/>
-              <a:t>myType</a:t>
-            </a:r>
-            <a:r>
-              <a:rPr lang="en-US" sz="2400" dirty="0"/>
-              <a:t> &lt;</a:t>
-            </a:r>
-            <a:r>
-              <a:rPr lang="en-US" sz="2400" dirty="0" err="1"/>
-              <a:t>varName</a:t>
-            </a:r>
-            <a:r>
-              <a:rPr lang="en-US" sz="2400" dirty="0"/>
-              <a:t>&gt;;</a:t>
-            </a:r>
-          </a:p>
-          <a:p>
-            <a:pPr lvl="1"/>
-            <a:r>
-              <a:rPr lang="en-US" sz="2400" dirty="0"/>
-              <a:t>here old name “struct tag” will be given a new name </a:t>
-            </a:r>
-            <a:r>
-              <a:rPr lang="en-US" sz="2400" dirty="0" err="1"/>
-              <a:t>myType</a:t>
-            </a:r>
-            <a:r>
-              <a:rPr lang="en-US" sz="2400" dirty="0"/>
-              <a:t>.</a:t>
-            </a:r>
-          </a:p>
-          <a:p>
-            <a:pPr marL="0" indent="0">
-              <a:buNone/>
-            </a:pPr>
+            <a:pPr marL="0" indent="0">
+              <a:buNone/>
+            </a:pPr>
+            <a:r>
+              <a:rPr lang="en-US" sz="1800" b="1" dirty="0" err="1">
+                <a:latin typeface="Courier" charset="0"/>
+                <a:ea typeface="Courier" charset="0"/>
+                <a:cs typeface="Courier" charset="0"/>
+              </a:rPr>
+              <a:t>struct</a:t>
+            </a:r>
+            <a:r>
+              <a:rPr lang="en-US" sz="1800" b="1" dirty="0">
+                <a:latin typeface="Courier" charset="0"/>
+                <a:ea typeface="Courier" charset="0"/>
+                <a:cs typeface="Courier" charset="0"/>
+              </a:rPr>
+              <a:t> </a:t>
+            </a:r>
+            <a:r>
+              <a:rPr lang="en-US" sz="1800" b="1" dirty="0" err="1">
+                <a:latin typeface="Courier" charset="0"/>
+                <a:ea typeface="Courier" charset="0"/>
+                <a:cs typeface="Courier" charset="0"/>
+              </a:rPr>
+              <a:t>StudentStruct</a:t>
+            </a:r>
             <a:endParaRPr lang="en-US" sz="1800" b="1" dirty="0">
               <a:latin typeface="Courier" charset="0"/>
               <a:ea typeface="Courier" charset="0"/>
@@ -3153,7 +3117,254 @@
                 <a:ea typeface="Courier" charset="0"/>
                 <a:cs typeface="Courier" charset="0"/>
               </a:rPr>
-              <a:t>struct </a:t>
+              <a:t>{</a:t>
+            </a:r>
+          </a:p>
+          <a:p>
+            <a:pPr marL="0" indent="0">
+              <a:buNone/>
+            </a:pPr>
+            <a:r>
+              <a:rPr lang="en-US" sz="1800" b="1" dirty="0">
+                <a:latin typeface="Courier" charset="0"/>
+                <a:ea typeface="Courier" charset="0"/>
+                <a:cs typeface="Courier" charset="0"/>
+              </a:rPr>
+              <a:t>	char Name[100];</a:t>
+            </a:r>
+          </a:p>
+          <a:p>
+            <a:pPr marL="0" indent="0">
+              <a:buNone/>
+            </a:pPr>
+            <a:r>
+              <a:rPr lang="en-US" sz="1800" b="1" dirty="0">
+                <a:latin typeface="Courier" charset="0"/>
+                <a:ea typeface="Courier" charset="0"/>
+                <a:cs typeface="Courier" charset="0"/>
+              </a:rPr>
+              <a:t>	</a:t>
+            </a:r>
+            <a:r>
+              <a:rPr lang="en-US" sz="1800" b="1" dirty="0" err="1">
+                <a:latin typeface="Courier" charset="0"/>
+                <a:ea typeface="Courier" charset="0"/>
+                <a:cs typeface="Courier" charset="0"/>
+              </a:rPr>
+              <a:t>int</a:t>
+            </a:r>
+            <a:r>
+              <a:rPr lang="en-US" sz="1800" b="1" dirty="0">
+                <a:latin typeface="Courier" charset="0"/>
+                <a:ea typeface="Courier" charset="0"/>
+                <a:cs typeface="Courier" charset="0"/>
+              </a:rPr>
+              <a:t> UIN;</a:t>
+            </a:r>
+          </a:p>
+          <a:p>
+            <a:pPr marL="0" indent="0">
+              <a:buNone/>
+            </a:pPr>
+            <a:r>
+              <a:rPr lang="en-US" sz="1800" b="1" dirty="0">
+                <a:latin typeface="Courier" charset="0"/>
+                <a:ea typeface="Courier" charset="0"/>
+                <a:cs typeface="Courier" charset="0"/>
+              </a:rPr>
+              <a:t>	float GPA;</a:t>
+            </a:r>
+          </a:p>
+          <a:p>
+            <a:pPr marL="0" indent="0">
+              <a:buNone/>
+            </a:pPr>
+            <a:r>
+              <a:rPr lang="en-US" sz="1800" b="1" dirty="0">
+                <a:latin typeface="Courier" charset="0"/>
+                <a:ea typeface="Courier" charset="0"/>
+                <a:cs typeface="Courier" charset="0"/>
+              </a:rPr>
+              <a:t>};</a:t>
+            </a:r>
+          </a:p>
+          <a:p>
+            <a:pPr marL="0" indent="0">
+              <a:buNone/>
+            </a:pPr>
+            <a:r>
+              <a:rPr lang="en-US" sz="1800" b="1" dirty="0" err="1">
+                <a:solidFill>
+                  <a:srgbClr val="7030A0"/>
+                </a:solidFill>
+                <a:latin typeface="Courier" charset="0"/>
+                <a:ea typeface="Courier" charset="0"/>
+                <a:cs typeface="Courier" charset="0"/>
+              </a:rPr>
+              <a:t>typedef</a:t>
+            </a:r>
+            <a:r>
+              <a:rPr lang="en-US" sz="1800" b="1" dirty="0">
+                <a:solidFill>
+                  <a:srgbClr val="7030A0"/>
+                </a:solidFill>
+                <a:latin typeface="Courier" charset="0"/>
+                <a:ea typeface="Courier" charset="0"/>
+                <a:cs typeface="Courier" charset="0"/>
+              </a:rPr>
+              <a:t> </a:t>
+            </a:r>
+            <a:r>
+              <a:rPr lang="en-US" sz="1800" b="1" dirty="0" err="1">
+                <a:solidFill>
+                  <a:schemeClr val="bg2">
+                    <a:lumMod val="25000"/>
+                  </a:schemeClr>
+                </a:solidFill>
+                <a:latin typeface="Courier" charset="0"/>
+                <a:ea typeface="Courier" charset="0"/>
+                <a:cs typeface="Courier" charset="0"/>
+              </a:rPr>
+              <a:t>struct</a:t>
+            </a:r>
+            <a:r>
+              <a:rPr lang="en-US" sz="1800" b="1" dirty="0">
+                <a:solidFill>
+                  <a:schemeClr val="bg2">
+                    <a:lumMod val="25000"/>
+                  </a:schemeClr>
+                </a:solidFill>
+                <a:latin typeface="Courier" charset="0"/>
+                <a:ea typeface="Courier" charset="0"/>
+                <a:cs typeface="Courier" charset="0"/>
+              </a:rPr>
+              <a:t> </a:t>
+            </a:r>
+            <a:r>
+              <a:rPr lang="en-US" sz="1800" b="1" dirty="0" err="1">
+                <a:solidFill>
+                  <a:srgbClr val="0070C0"/>
+                </a:solidFill>
+                <a:latin typeface="Courier" charset="0"/>
+                <a:ea typeface="Courier" charset="0"/>
+                <a:cs typeface="Courier" charset="0"/>
+              </a:rPr>
+              <a:t>StudentStruct</a:t>
+            </a:r>
+            <a:r>
+              <a:rPr lang="en-US" sz="1800" b="1" dirty="0">
+                <a:solidFill>
+                  <a:srgbClr val="0070C0"/>
+                </a:solidFill>
+                <a:latin typeface="Courier" charset="0"/>
+                <a:ea typeface="Courier" charset="0"/>
+                <a:cs typeface="Courier" charset="0"/>
+              </a:rPr>
+              <a:t> </a:t>
+            </a:r>
+            <a:r>
+              <a:rPr lang="en-US" sz="1800" b="1" dirty="0">
+                <a:solidFill>
+                  <a:schemeClr val="accent2">
+                    <a:lumMod val="50000"/>
+                  </a:schemeClr>
+                </a:solidFill>
+                <a:latin typeface="Courier" charset="0"/>
+                <a:ea typeface="Courier" charset="0"/>
+                <a:cs typeface="Courier" charset="0"/>
+              </a:rPr>
+              <a:t>student</a:t>
+            </a:r>
+            <a:r>
+              <a:rPr lang="en-US" sz="1800" b="1" dirty="0">
+                <a:latin typeface="Courier" charset="0"/>
+                <a:ea typeface="Courier" charset="0"/>
+                <a:cs typeface="Courier" charset="0"/>
+              </a:rPr>
+              <a:t>;</a:t>
+            </a:r>
+          </a:p>
+          <a:p>
+            <a:pPr marL="0" indent="0">
+              <a:buNone/>
+            </a:pPr>
+            <a:r>
+              <a:rPr lang="en-US" sz="1800" b="1" dirty="0">
+                <a:latin typeface="Courier" charset="0"/>
+                <a:ea typeface="Courier" charset="0"/>
+                <a:cs typeface="Courier" charset="0"/>
+              </a:rPr>
+              <a:t>student s1, s2;</a:t>
+            </a:r>
+          </a:p>
+          <a:p>
+            <a:pPr marL="0" indent="0">
+              <a:buNone/>
+            </a:pPr>
+            <a:endParaRPr lang="en-US" sz="1000" b="1" dirty="0">
+              <a:latin typeface="Courier" charset="0"/>
+              <a:ea typeface="Courier" charset="0"/>
+              <a:cs typeface="Courier" charset="0"/>
+            </a:endParaRPr>
+          </a:p>
+          <a:p>
+            <a:pPr marL="0" indent="0">
+              <a:buNone/>
+            </a:pPr>
+            <a:r>
+              <a:rPr lang="en-US" sz="1800" b="1" dirty="0">
+                <a:latin typeface="Courier" charset="0"/>
+                <a:ea typeface="Courier" charset="0"/>
+                <a:cs typeface="Courier" charset="0"/>
+              </a:rPr>
+              <a:t>/***********************************/</a:t>
+            </a:r>
+          </a:p>
+          <a:p>
+            <a:pPr marL="0" indent="0">
+              <a:buNone/>
+            </a:pPr>
+            <a:endParaRPr lang="en-US" sz="1000" b="1" dirty="0">
+              <a:latin typeface="Courier" charset="0"/>
+              <a:ea typeface="Courier" charset="0"/>
+              <a:cs typeface="Courier" charset="0"/>
+            </a:endParaRPr>
+          </a:p>
+          <a:p>
+            <a:pPr marL="0" indent="0">
+              <a:buNone/>
+            </a:pPr>
+            <a:r>
+              <a:rPr lang="en-US" sz="1800" b="1" dirty="0" err="1">
+                <a:latin typeface="Courier" charset="0"/>
+                <a:ea typeface="Courier" charset="0"/>
+                <a:cs typeface="Courier" charset="0"/>
+              </a:rPr>
+              <a:t>typedef</a:t>
+            </a:r>
+            <a:r>
+              <a:rPr lang="en-US" sz="1800" b="1" dirty="0">
+                <a:latin typeface="Courier" charset="0"/>
+                <a:ea typeface="Courier" charset="0"/>
+                <a:cs typeface="Courier" charset="0"/>
+              </a:rPr>
+              <a:t> </a:t>
+            </a:r>
+            <a:r>
+              <a:rPr lang="en-US" sz="1800" b="1" dirty="0" err="1">
+                <a:latin typeface="Courier" charset="0"/>
+                <a:ea typeface="Courier" charset="0"/>
+                <a:cs typeface="Courier" charset="0"/>
+              </a:rPr>
+              <a:t>struct</a:t>
+            </a:r>
+            <a:r>
+              <a:rPr lang="en-US" sz="1800" b="1" dirty="0">
+                <a:latin typeface="Courier" charset="0"/>
+                <a:ea typeface="Courier" charset="0"/>
+                <a:cs typeface="Courier" charset="0"/>
+              </a:rPr>
+              <a:t> </a:t>
             </a:r>
             <a:r>
               <a:rPr lang="en-US" sz="1800" b="1" dirty="0" err="1">
@@ -3247,137 +3458,21 @@
                 <a:ea typeface="Courier" charset="0"/>
                 <a:cs typeface="Courier" charset="0"/>
               </a:rPr>
-              <a:t>};</a:t>
-            </a:r>
-          </a:p>
-          <a:p>
-            <a:pPr marL="0" indent="0">
-              <a:buNone/>
-            </a:pPr>
-            <a:r>
-              <a:rPr lang="en-US" sz="1800" b="1" dirty="0" err="1">
-                <a:solidFill>
-                  <a:srgbClr val="7030A0"/>
-                </a:solidFill>
-                <a:latin typeface="Courier" charset="0"/>
-                <a:ea typeface="Courier" charset="0"/>
-                <a:cs typeface="Courier" charset="0"/>
-              </a:rPr>
-              <a:t>typedef</a:t>
-            </a:r>
+              <a:t>}student;</a:t>
+            </a:r>
+          </a:p>
+          <a:p>
+            <a:pPr marL="0" indent="0">
+              <a:buNone/>
+            </a:pPr>
             <a:r>
               <a:rPr lang="en-US" sz="1800" b="1" dirty="0">
-                <a:solidFill>
-                  <a:srgbClr val="7030A0"/>
-                </a:solidFill>
-                <a:latin typeface="Courier" charset="0"/>
-                <a:ea typeface="Courier" charset="0"/>
-                <a:cs typeface="Courier" charset="0"/>
-              </a:rPr>
-              <a:t> </a:t>
-            </a:r>
-            <a:r>
-              <a:rPr lang="en-US" sz="1800" b="1" dirty="0" err="1">
-                <a:solidFill>
-                  <a:schemeClr val="bg2">
-                    <a:lumMod val="25000"/>
-                  </a:schemeClr>
-                </a:solidFill>
-                <a:latin typeface="Courier" charset="0"/>
-                <a:ea typeface="Courier" charset="0"/>
-                <a:cs typeface="Courier" charset="0"/>
-              </a:rPr>
-              <a:t>struct</a:t>
-            </a:r>
-            <a:r>
-              <a:rPr lang="en-US" sz="1800" b="1" dirty="0">
-                <a:solidFill>
-                  <a:schemeClr val="bg2">
-                    <a:lumMod val="25000"/>
-                  </a:schemeClr>
-                </a:solidFill>
-                <a:latin typeface="Courier" charset="0"/>
-                <a:ea typeface="Courier" charset="0"/>
-                <a:cs typeface="Courier" charset="0"/>
-              </a:rPr>
-              <a:t> </a:t>
-            </a:r>
-            <a:r>
-              <a:rPr lang="en-US" sz="1800" b="1" dirty="0" err="1">
-                <a:solidFill>
-                  <a:srgbClr val="0070C0"/>
-                </a:solidFill>
-                <a:latin typeface="Courier" charset="0"/>
-                <a:ea typeface="Courier" charset="0"/>
-                <a:cs typeface="Courier" charset="0"/>
-              </a:rPr>
-              <a:t>StudentStruct</a:t>
-            </a:r>
-            <a:r>
-              <a:rPr lang="en-US" sz="1800" b="1" dirty="0">
-                <a:solidFill>
-                  <a:srgbClr val="0070C0"/>
-                </a:solidFill>
-                <a:latin typeface="Courier" charset="0"/>
-                <a:ea typeface="Courier" charset="0"/>
-                <a:cs typeface="Courier" charset="0"/>
-              </a:rPr>
-              <a:t> </a:t>
-            </a:r>
-            <a:r>
-              <a:rPr lang="en-US" sz="1800" b="1" dirty="0">
-                <a:solidFill>
-                  <a:schemeClr val="accent2">
-                    <a:lumMod val="50000"/>
-                  </a:schemeClr>
-                </a:solidFill>
-                <a:latin typeface="Courier" charset="0"/>
-                <a:ea typeface="Courier" charset="0"/>
-                <a:cs typeface="Courier" charset="0"/>
-              </a:rPr>
-              <a:t>student</a:t>
-            </a:r>
-            <a:r>
-              <a:rPr lang="en-US" sz="1800" b="1" dirty="0">
-                <a:latin typeface="Courier" charset="0"/>
-                <a:ea typeface="Courier" charset="0"/>
-                <a:cs typeface="Courier" charset="0"/>
-              </a:rPr>
-              <a:t>;</a:t>
-            </a:r>
-          </a:p>
-          <a:p>
-            <a:pPr marL="0" indent="0">
-              <a:buNone/>
-            </a:pPr>
-            <a:r>
-              <a:rPr lang="en-US" sz="1800" b="1" dirty="0">
                 <a:latin typeface="Courier" charset="0"/>
                 <a:ea typeface="Courier" charset="0"/>
                 <a:cs typeface="Courier" charset="0"/>
               </a:rPr>
               <a:t>student s1, s2;</a:t>
             </a:r>
-          </a:p>
-          <a:p>
-            <a:pPr marL="0" indent="0">
-              <a:buNone/>
-            </a:pPr>
-            <a:endParaRPr lang="en-US" sz="1000" b="1" dirty="0">
-              <a:latin typeface="Courier" charset="0"/>
-              <a:ea typeface="Courier" charset="0"/>
-              <a:cs typeface="Courier" charset="0"/>
-            </a:endParaRPr>
-          </a:p>
-          <a:p>
-            <a:pPr marL="0" indent="0">
-              <a:buNone/>
-            </a:pPr>
-            <a:endParaRPr lang="en-US" sz="1800" b="1" dirty="0">
-              <a:latin typeface="Courier" charset="0"/>
-              <a:ea typeface="Courier" charset="0"/>
-              <a:cs typeface="Courier" charset="0"/>
-            </a:endParaRPr>
           </a:p>
           <a:p>
             <a:pPr marL="0" marR="0" lvl="0" indent="0" defTabSz="914400" eaLnBrk="1" fontAlgn="auto" latinLnBrk="0" hangingPunct="1">
@@ -3433,7 +3528,7 @@
     </p:spTree>
     <p:extLst>
       <p:ext uri="{BB962C8B-B14F-4D97-AF65-F5344CB8AC3E}">
-        <p14:creationId xmlns:p14="http://schemas.microsoft.com/office/powerpoint/2010/main" val="2079079591"/>
+        <p14:creationId xmlns:p14="http://schemas.microsoft.com/office/powerpoint/2010/main" val="2821133990"/>
       </p:ext>
     </p:extLst>
   </p:cSld>
@@ -3444,534 +3539,6 @@
 </file>
 
 <file path=ppt/slides/slide11.xml><?xml version="1.0" encoding="utf-8"?>
-<p:sld xmlns:a="http://schemas.openxmlformats.org/drawingml/2006/main" xmlns:r="http://schemas.openxmlformats.org/officeDocument/2006/relationships" xmlns:p="http://schemas.openxmlformats.org/presentationml/2006/main">
-  <p:cSld>
-    <p:spTree>
-      <p:nvGrpSpPr>
-        <p:cNvPr id="1" name=""/>
-        <p:cNvGrpSpPr/>
-        <p:nvPr/>
-      </p:nvGrpSpPr>
-      <p:grpSpPr>
-        <a:xfrm>
-          <a:off x="0" y="0"/>
-          <a:ext cx="0" cy="0"/>
-          <a:chOff x="0" y="0"/>
-          <a:chExt cx="0" cy="0"/>
-        </a:xfrm>
-      </p:grpSpPr>
-      <p:sp>
-        <p:nvSpPr>
-          <p:cNvPr id="2" name="Text Placeholder 1"/>
-          <p:cNvSpPr>
-            <a:spLocks noGrp="1"/>
-          </p:cNvSpPr>
-          <p:nvPr>
-            <p:ph type="body" sz="quarter" idx="10"/>
-          </p:nvPr>
-        </p:nvSpPr>
-        <p:spPr>
-          <a:xfrm>
-            <a:off x="145143" y="197577"/>
-            <a:ext cx="9245600" cy="742950"/>
-          </a:xfrm>
-        </p:spPr>
-        <p:txBody>
-          <a:bodyPr/>
-          <a:lstStyle/>
-          <a:p>
-            <a:r>
-              <a:rPr lang="en-US" dirty="0"/>
-              <a:t>Using typedef  (both approaches are same)</a:t>
-            </a:r>
-          </a:p>
-        </p:txBody>
-      </p:sp>
-      <p:sp>
-        <p:nvSpPr>
-          <p:cNvPr id="3" name="Text Placeholder 2"/>
-          <p:cNvSpPr>
-            <a:spLocks noGrp="1"/>
-          </p:cNvSpPr>
-          <p:nvPr>
-            <p:ph type="body" sz="quarter" idx="12"/>
-          </p:nvPr>
-        </p:nvSpPr>
-        <p:spPr>
-          <a:xfrm>
-            <a:off x="444500" y="1135722"/>
-            <a:ext cx="9245600" cy="5696151"/>
-          </a:xfrm>
-        </p:spPr>
-        <p:txBody>
-          <a:bodyPr/>
-          <a:lstStyle/>
-          <a:p>
-            <a:pPr marL="0" indent="0">
-              <a:buNone/>
-            </a:pPr>
-            <a:r>
-              <a:rPr lang="en-US" sz="1800" b="1" dirty="0" err="1">
-                <a:latin typeface="Courier" charset="0"/>
-                <a:ea typeface="Courier" charset="0"/>
-                <a:cs typeface="Courier" charset="0"/>
-              </a:rPr>
-              <a:t>struct</a:t>
-            </a:r>
-            <a:r>
-              <a:rPr lang="en-US" sz="1800" b="1" dirty="0">
-                <a:latin typeface="Courier" charset="0"/>
-                <a:ea typeface="Courier" charset="0"/>
-                <a:cs typeface="Courier" charset="0"/>
-              </a:rPr>
-              <a:t> </a:t>
-            </a:r>
-            <a:r>
-              <a:rPr lang="en-US" sz="1800" b="1" dirty="0" err="1">
-                <a:latin typeface="Courier" charset="0"/>
-                <a:ea typeface="Courier" charset="0"/>
-                <a:cs typeface="Courier" charset="0"/>
-              </a:rPr>
-              <a:t>StudentStruct</a:t>
-            </a:r>
-            <a:endParaRPr lang="en-US" sz="1800" b="1" dirty="0">
-              <a:latin typeface="Courier" charset="0"/>
-              <a:ea typeface="Courier" charset="0"/>
-              <a:cs typeface="Courier" charset="0"/>
-            </a:endParaRPr>
-          </a:p>
-          <a:p>
-            <a:pPr marL="0" indent="0">
-              <a:buNone/>
-            </a:pPr>
-            <a:r>
-              <a:rPr lang="en-US" sz="1800" b="1" dirty="0">
-                <a:latin typeface="Courier" charset="0"/>
-                <a:ea typeface="Courier" charset="0"/>
-                <a:cs typeface="Courier" charset="0"/>
-              </a:rPr>
-              <a:t>{</a:t>
-            </a:r>
-          </a:p>
-          <a:p>
-            <a:pPr marL="0" indent="0">
-              <a:buNone/>
-            </a:pPr>
-            <a:r>
-              <a:rPr lang="en-US" sz="1800" b="1" dirty="0">
-                <a:latin typeface="Courier" charset="0"/>
-                <a:ea typeface="Courier" charset="0"/>
-                <a:cs typeface="Courier" charset="0"/>
-              </a:rPr>
-              <a:t>	char Name[100];</a:t>
-            </a:r>
-          </a:p>
-          <a:p>
-            <a:pPr marL="0" indent="0">
-              <a:buNone/>
-            </a:pPr>
-            <a:r>
-              <a:rPr lang="en-US" sz="1800" b="1" dirty="0">
-                <a:latin typeface="Courier" charset="0"/>
-                <a:ea typeface="Courier" charset="0"/>
-                <a:cs typeface="Courier" charset="0"/>
-              </a:rPr>
-              <a:t>	</a:t>
-            </a:r>
-            <a:r>
-              <a:rPr lang="en-US" sz="1800" b="1" dirty="0" err="1">
-                <a:latin typeface="Courier" charset="0"/>
-                <a:ea typeface="Courier" charset="0"/>
-                <a:cs typeface="Courier" charset="0"/>
-              </a:rPr>
-              <a:t>int</a:t>
-            </a:r>
-            <a:r>
-              <a:rPr lang="en-US" sz="1800" b="1" dirty="0">
-                <a:latin typeface="Courier" charset="0"/>
-                <a:ea typeface="Courier" charset="0"/>
-                <a:cs typeface="Courier" charset="0"/>
-              </a:rPr>
-              <a:t> UIN;</a:t>
-            </a:r>
-          </a:p>
-          <a:p>
-            <a:pPr marL="0" indent="0">
-              <a:buNone/>
-            </a:pPr>
-            <a:r>
-              <a:rPr lang="en-US" sz="1800" b="1" dirty="0">
-                <a:latin typeface="Courier" charset="0"/>
-                <a:ea typeface="Courier" charset="0"/>
-                <a:cs typeface="Courier" charset="0"/>
-              </a:rPr>
-              <a:t>	float GPA;</a:t>
-            </a:r>
-          </a:p>
-          <a:p>
-            <a:pPr marL="0" indent="0">
-              <a:buNone/>
-            </a:pPr>
-            <a:r>
-              <a:rPr lang="en-US" sz="1800" b="1" dirty="0">
-                <a:latin typeface="Courier" charset="0"/>
-                <a:ea typeface="Courier" charset="0"/>
-                <a:cs typeface="Courier" charset="0"/>
-              </a:rPr>
-              <a:t>};</a:t>
-            </a:r>
-          </a:p>
-          <a:p>
-            <a:pPr marL="0" indent="0">
-              <a:buNone/>
-            </a:pPr>
-            <a:r>
-              <a:rPr lang="en-US" sz="1800" b="1" dirty="0" err="1">
-                <a:solidFill>
-                  <a:srgbClr val="7030A0"/>
-                </a:solidFill>
-                <a:latin typeface="Courier" charset="0"/>
-                <a:ea typeface="Courier" charset="0"/>
-                <a:cs typeface="Courier" charset="0"/>
-              </a:rPr>
-              <a:t>typedef</a:t>
-            </a:r>
-            <a:r>
-              <a:rPr lang="en-US" sz="1800" b="1" dirty="0">
-                <a:solidFill>
-                  <a:srgbClr val="7030A0"/>
-                </a:solidFill>
-                <a:latin typeface="Courier" charset="0"/>
-                <a:ea typeface="Courier" charset="0"/>
-                <a:cs typeface="Courier" charset="0"/>
-              </a:rPr>
-              <a:t> </a:t>
-            </a:r>
-            <a:r>
-              <a:rPr lang="en-US" sz="1800" b="1" dirty="0" err="1">
-                <a:solidFill>
-                  <a:schemeClr val="bg2">
-                    <a:lumMod val="25000"/>
-                  </a:schemeClr>
-                </a:solidFill>
-                <a:latin typeface="Courier" charset="0"/>
-                <a:ea typeface="Courier" charset="0"/>
-                <a:cs typeface="Courier" charset="0"/>
-              </a:rPr>
-              <a:t>struct</a:t>
-            </a:r>
-            <a:r>
-              <a:rPr lang="en-US" sz="1800" b="1" dirty="0">
-                <a:solidFill>
-                  <a:schemeClr val="bg2">
-                    <a:lumMod val="25000"/>
-                  </a:schemeClr>
-                </a:solidFill>
-                <a:latin typeface="Courier" charset="0"/>
-                <a:ea typeface="Courier" charset="0"/>
-                <a:cs typeface="Courier" charset="0"/>
-              </a:rPr>
-              <a:t> </a:t>
-            </a:r>
-            <a:r>
-              <a:rPr lang="en-US" sz="1800" b="1" dirty="0" err="1">
-                <a:solidFill>
-                  <a:srgbClr val="0070C0"/>
-                </a:solidFill>
-                <a:latin typeface="Courier" charset="0"/>
-                <a:ea typeface="Courier" charset="0"/>
-                <a:cs typeface="Courier" charset="0"/>
-              </a:rPr>
-              <a:t>StudentStruct</a:t>
-            </a:r>
-            <a:r>
-              <a:rPr lang="en-US" sz="1800" b="1" dirty="0">
-                <a:solidFill>
-                  <a:srgbClr val="0070C0"/>
-                </a:solidFill>
-                <a:latin typeface="Courier" charset="0"/>
-                <a:ea typeface="Courier" charset="0"/>
-                <a:cs typeface="Courier" charset="0"/>
-              </a:rPr>
-              <a:t> </a:t>
-            </a:r>
-            <a:r>
-              <a:rPr lang="en-US" sz="1800" b="1" dirty="0">
-                <a:solidFill>
-                  <a:schemeClr val="accent2">
-                    <a:lumMod val="50000"/>
-                  </a:schemeClr>
-                </a:solidFill>
-                <a:latin typeface="Courier" charset="0"/>
-                <a:ea typeface="Courier" charset="0"/>
-                <a:cs typeface="Courier" charset="0"/>
-              </a:rPr>
-              <a:t>student</a:t>
-            </a:r>
-            <a:r>
-              <a:rPr lang="en-US" sz="1800" b="1" dirty="0">
-                <a:latin typeface="Courier" charset="0"/>
-                <a:ea typeface="Courier" charset="0"/>
-                <a:cs typeface="Courier" charset="0"/>
-              </a:rPr>
-              <a:t>;</a:t>
-            </a:r>
-          </a:p>
-          <a:p>
-            <a:pPr marL="0" indent="0">
-              <a:buNone/>
-            </a:pPr>
-            <a:r>
-              <a:rPr lang="en-US" sz="1800" b="1" dirty="0">
-                <a:latin typeface="Courier" charset="0"/>
-                <a:ea typeface="Courier" charset="0"/>
-                <a:cs typeface="Courier" charset="0"/>
-              </a:rPr>
-              <a:t>student s1, s2;</a:t>
-            </a:r>
-          </a:p>
-          <a:p>
-            <a:pPr marL="0" indent="0">
-              <a:buNone/>
-            </a:pPr>
-            <a:endParaRPr lang="en-US" sz="1000" b="1" dirty="0">
-              <a:latin typeface="Courier" charset="0"/>
-              <a:ea typeface="Courier" charset="0"/>
-              <a:cs typeface="Courier" charset="0"/>
-            </a:endParaRPr>
-          </a:p>
-          <a:p>
-            <a:pPr marL="0" indent="0">
-              <a:buNone/>
-            </a:pPr>
-            <a:r>
-              <a:rPr lang="en-US" sz="1800" b="1" dirty="0">
-                <a:latin typeface="Courier" charset="0"/>
-                <a:ea typeface="Courier" charset="0"/>
-                <a:cs typeface="Courier" charset="0"/>
-              </a:rPr>
-              <a:t>/***********************************/</a:t>
-            </a:r>
-          </a:p>
-          <a:p>
-            <a:pPr marL="0" indent="0">
-              <a:buNone/>
-            </a:pPr>
-            <a:endParaRPr lang="en-US" sz="1000" b="1" dirty="0">
-              <a:latin typeface="Courier" charset="0"/>
-              <a:ea typeface="Courier" charset="0"/>
-              <a:cs typeface="Courier" charset="0"/>
-            </a:endParaRPr>
-          </a:p>
-          <a:p>
-            <a:pPr marL="0" indent="0">
-              <a:buNone/>
-            </a:pPr>
-            <a:r>
-              <a:rPr lang="en-US" sz="1800" b="1" dirty="0" err="1">
-                <a:latin typeface="Courier" charset="0"/>
-                <a:ea typeface="Courier" charset="0"/>
-                <a:cs typeface="Courier" charset="0"/>
-              </a:rPr>
-              <a:t>typedef</a:t>
-            </a:r>
-            <a:r>
-              <a:rPr lang="en-US" sz="1800" b="1" dirty="0">
-                <a:latin typeface="Courier" charset="0"/>
-                <a:ea typeface="Courier" charset="0"/>
-                <a:cs typeface="Courier" charset="0"/>
-              </a:rPr>
-              <a:t> </a:t>
-            </a:r>
-            <a:r>
-              <a:rPr lang="en-US" sz="1800" b="1" dirty="0" err="1">
-                <a:latin typeface="Courier" charset="0"/>
-                <a:ea typeface="Courier" charset="0"/>
-                <a:cs typeface="Courier" charset="0"/>
-              </a:rPr>
-              <a:t>struct</a:t>
-            </a:r>
-            <a:r>
-              <a:rPr lang="en-US" sz="1800" b="1" dirty="0">
-                <a:latin typeface="Courier" charset="0"/>
-                <a:ea typeface="Courier" charset="0"/>
-                <a:cs typeface="Courier" charset="0"/>
-              </a:rPr>
-              <a:t> </a:t>
-            </a:r>
-            <a:r>
-              <a:rPr lang="en-US" sz="1800" b="1" dirty="0" err="1">
-                <a:latin typeface="Courier" charset="0"/>
-                <a:ea typeface="Courier" charset="0"/>
-                <a:cs typeface="Courier" charset="0"/>
-              </a:rPr>
-              <a:t>StudentStruct</a:t>
-            </a:r>
-            <a:endParaRPr lang="en-US" sz="1800" b="1" dirty="0">
-              <a:latin typeface="Courier" charset="0"/>
-              <a:ea typeface="Courier" charset="0"/>
-              <a:cs typeface="Courier" charset="0"/>
-            </a:endParaRPr>
-          </a:p>
-          <a:p>
-            <a:pPr marL="0" indent="0">
-              <a:buNone/>
-            </a:pPr>
-            <a:r>
-              <a:rPr lang="en-US" sz="1800" b="1" dirty="0">
-                <a:latin typeface="Courier" charset="0"/>
-                <a:ea typeface="Courier" charset="0"/>
-                <a:cs typeface="Courier" charset="0"/>
-              </a:rPr>
-              <a:t>{</a:t>
-            </a:r>
-          </a:p>
-          <a:p>
-            <a:pPr marL="0" indent="0">
-              <a:buNone/>
-            </a:pPr>
-            <a:r>
-              <a:rPr lang="en-US" sz="1800" b="1" dirty="0">
-                <a:latin typeface="Courier" charset="0"/>
-                <a:ea typeface="Courier" charset="0"/>
-                <a:cs typeface="Courier" charset="0"/>
-              </a:rPr>
-              <a:t>	char Name[100];</a:t>
-            </a:r>
-          </a:p>
-          <a:p>
-            <a:pPr marL="0" indent="0">
-              <a:buNone/>
-            </a:pPr>
-            <a:r>
-              <a:rPr lang="en-US" sz="1800" b="1" dirty="0">
-                <a:latin typeface="Courier" charset="0"/>
-                <a:ea typeface="Courier" charset="0"/>
-                <a:cs typeface="Courier" charset="0"/>
-              </a:rPr>
-              <a:t>	</a:t>
-            </a:r>
-            <a:r>
-              <a:rPr lang="en-US" sz="1800" b="1" dirty="0" err="1">
-                <a:latin typeface="Courier" charset="0"/>
-                <a:ea typeface="Courier" charset="0"/>
-                <a:cs typeface="Courier" charset="0"/>
-              </a:rPr>
-              <a:t>int</a:t>
-            </a:r>
-            <a:r>
-              <a:rPr lang="en-US" sz="1800" b="1" dirty="0">
-                <a:latin typeface="Courier" charset="0"/>
-                <a:ea typeface="Courier" charset="0"/>
-                <a:cs typeface="Courier" charset="0"/>
-              </a:rPr>
-              <a:t> UIN;</a:t>
-            </a:r>
-          </a:p>
-          <a:p>
-            <a:pPr marL="0" indent="0">
-              <a:buNone/>
-            </a:pPr>
-            <a:r>
-              <a:rPr lang="en-US" sz="1800" b="1" dirty="0">
-                <a:latin typeface="Courier" charset="0"/>
-                <a:ea typeface="Courier" charset="0"/>
-                <a:cs typeface="Courier" charset="0"/>
-              </a:rPr>
-              <a:t>	float GPA;</a:t>
-            </a:r>
-          </a:p>
-          <a:p>
-            <a:pPr marL="0" indent="0">
-              <a:buNone/>
-            </a:pPr>
-            <a:r>
-              <a:rPr lang="en-US" sz="1800" b="1" dirty="0">
-                <a:latin typeface="Courier" charset="0"/>
-                <a:ea typeface="Courier" charset="0"/>
-                <a:cs typeface="Courier" charset="0"/>
-              </a:rPr>
-              <a:t>}student;</a:t>
-            </a:r>
-          </a:p>
-          <a:p>
-            <a:pPr marL="0" indent="0">
-              <a:buNone/>
-            </a:pPr>
-            <a:r>
-              <a:rPr lang="en-US" sz="1800" b="1" dirty="0">
-                <a:latin typeface="Courier" charset="0"/>
-                <a:ea typeface="Courier" charset="0"/>
-                <a:cs typeface="Courier" charset="0"/>
-              </a:rPr>
-              <a:t>student s1, s2;</a:t>
-            </a:r>
-          </a:p>
-          <a:p>
-            <a:pPr marL="0" marR="0" lvl="0" indent="0" defTabSz="914400" eaLnBrk="1" fontAlgn="auto" latinLnBrk="0" hangingPunct="1">
-              <a:lnSpc>
-                <a:spcPct val="100000"/>
-              </a:lnSpc>
-              <a:spcBef>
-                <a:spcPts val="0"/>
-              </a:spcBef>
-              <a:spcAft>
-                <a:spcPts val="0"/>
-              </a:spcAft>
-              <a:buClrTx/>
-              <a:buSzTx/>
-              <a:buFontTx/>
-              <a:buNone/>
-              <a:tabLst/>
-              <a:defRPr/>
-            </a:pPr>
-            <a:endParaRPr lang="en-US" sz="1800" dirty="0"/>
-          </a:p>
-        </p:txBody>
-      </p:sp>
-      <p:sp>
-        <p:nvSpPr>
-          <p:cNvPr id="4" name="TextBox 3"/>
-          <p:cNvSpPr txBox="1"/>
-          <p:nvPr/>
-        </p:nvSpPr>
-        <p:spPr>
-          <a:xfrm>
-            <a:off x="9647865" y="6614044"/>
-            <a:ext cx="314510" cy="400110"/>
-          </a:xfrm>
-          <a:prstGeom prst="rect">
-            <a:avLst/>
-          </a:prstGeom>
-          <a:noFill/>
-        </p:spPr>
-        <p:txBody>
-          <a:bodyPr wrap="none" rtlCol="0">
-            <a:spAutoFit/>
-          </a:bodyPr>
-          <a:lstStyle/>
-          <a:p>
-            <a:r>
-              <a:rPr lang="en-US" dirty="0"/>
-              <a:t>5</a:t>
-            </a:r>
-          </a:p>
-        </p:txBody>
-      </p:sp>
-    </p:spTree>
-    <p:extLst>
-      <p:ext uri="{BB962C8B-B14F-4D97-AF65-F5344CB8AC3E}">
-        <p14:creationId xmlns:p14="http://schemas.microsoft.com/office/powerpoint/2010/main" val="2821133990"/>
-      </p:ext>
-    </p:extLst>
-  </p:cSld>
-  <p:clrMapOvr>
-    <a:masterClrMapping/>
-  </p:clrMapOvr>
-</p:sld>
-</file>
-
-<file path=ppt/slides/slide12.xml><?xml version="1.0" encoding="utf-8"?>
 <p:sld xmlns:a="http://schemas.openxmlformats.org/drawingml/2006/main" xmlns:r="http://schemas.openxmlformats.org/officeDocument/2006/relationships" xmlns:p="http://schemas.openxmlformats.org/presentationml/2006/main">
   <p:cSld>
     <p:spTree>
@@ -4031,7 +3598,7 @@
 </p:sld>
 </file>
 
-<file path=ppt/slides/slide13.xml><?xml version="1.0" encoding="utf-8"?>
+<file path=ppt/slides/slide12.xml><?xml version="1.0" encoding="utf-8"?>
 <p:sld xmlns:a="http://schemas.openxmlformats.org/drawingml/2006/main" xmlns:r="http://schemas.openxmlformats.org/officeDocument/2006/relationships" xmlns:p="http://schemas.openxmlformats.org/presentationml/2006/main">
   <p:cSld>
     <p:spTree>
@@ -4065,245 +3632,6 @@
           <a:p>
             <a:r>
               <a:rPr lang="en-US" dirty="0"/>
-              <a:t>Unions</a:t>
-            </a:r>
-          </a:p>
-        </p:txBody>
-      </p:sp>
-      <p:sp>
-        <p:nvSpPr>
-          <p:cNvPr id="3" name="Text Placeholder 2"/>
-          <p:cNvSpPr>
-            <a:spLocks noGrp="1"/>
-          </p:cNvSpPr>
-          <p:nvPr>
-            <p:ph type="body" sz="quarter" idx="12"/>
-          </p:nvPr>
-        </p:nvSpPr>
-        <p:spPr>
-          <a:xfrm>
-            <a:off x="444500" y="1362075"/>
-            <a:ext cx="9245600" cy="5495925"/>
-          </a:xfrm>
-        </p:spPr>
-        <p:txBody>
-          <a:bodyPr/>
-          <a:lstStyle/>
-          <a:p>
-            <a:pPr lvl="0"/>
-            <a:r>
-              <a:rPr lang="en-US" sz="2400" dirty="0"/>
-              <a:t>a </a:t>
-            </a:r>
-            <a:r>
-              <a:rPr lang="en-US" sz="2400" b="1" dirty="0"/>
-              <a:t>union</a:t>
-            </a:r>
-            <a:r>
-              <a:rPr lang="en-US" sz="2400" dirty="0"/>
-              <a:t> data type is similar to a struct, however, it defines a single location in memory that can be given many different names</a:t>
-            </a:r>
-          </a:p>
-          <a:p>
-            <a:pPr lvl="0"/>
-            <a:r>
-              <a:rPr lang="en-US" sz="2400" dirty="0"/>
-              <a:t>Example:</a:t>
-            </a:r>
-          </a:p>
-          <a:p>
-            <a:pPr lvl="1"/>
-            <a:r>
-              <a:rPr lang="en-US" sz="2400" dirty="0"/>
-              <a:t>union </a:t>
-            </a:r>
-            <a:r>
-              <a:rPr lang="en-US" sz="2400" dirty="0" err="1"/>
-              <a:t>valueUnion</a:t>
-            </a:r>
-            <a:br>
-              <a:rPr lang="en-US" sz="2400" dirty="0"/>
-            </a:br>
-            <a:r>
-              <a:rPr lang="en-US" sz="2400" dirty="0"/>
-              <a:t>{</a:t>
-            </a:r>
-            <a:br>
-              <a:rPr lang="en-US" sz="2400" dirty="0"/>
-            </a:br>
-            <a:r>
-              <a:rPr lang="en-US" sz="2400" dirty="0"/>
-              <a:t>    long int </a:t>
-            </a:r>
-            <a:r>
-              <a:rPr lang="en-US" sz="2400" dirty="0" err="1"/>
-              <a:t>i_value</a:t>
-            </a:r>
-            <a:r>
-              <a:rPr lang="en-US" sz="2400" dirty="0"/>
-              <a:t>;</a:t>
-            </a:r>
-            <a:br>
-              <a:rPr lang="en-US" sz="2400" dirty="0"/>
-            </a:br>
-            <a:r>
-              <a:rPr lang="en-US" sz="2400" dirty="0"/>
-              <a:t>    float </a:t>
-            </a:r>
-            <a:r>
-              <a:rPr lang="en-US" sz="2400" dirty="0" err="1"/>
-              <a:t>f_value</a:t>
-            </a:r>
-            <a:r>
-              <a:rPr lang="en-US" sz="2400" dirty="0"/>
-              <a:t>;</a:t>
-            </a:r>
-            <a:br>
-              <a:rPr lang="en-US" sz="2400" dirty="0"/>
-            </a:br>
-            <a:r>
-              <a:rPr lang="en-US" sz="2400" dirty="0"/>
-              <a:t>}</a:t>
-            </a:r>
-            <a:br>
-              <a:rPr lang="en-US" sz="2400" dirty="0"/>
-            </a:br>
-            <a:br>
-              <a:rPr lang="en-US" sz="2400" dirty="0"/>
-            </a:br>
-            <a:r>
-              <a:rPr lang="en-US" sz="2400" dirty="0"/>
-              <a:t>union </a:t>
-            </a:r>
-            <a:r>
-              <a:rPr lang="en-US" sz="2400" dirty="0" err="1"/>
-              <a:t>valueUnion</a:t>
-            </a:r>
-            <a:r>
-              <a:rPr lang="en-US" sz="2400" dirty="0"/>
-              <a:t> v;</a:t>
-            </a:r>
-            <a:br>
-              <a:rPr lang="en-US" sz="2400" dirty="0"/>
-            </a:br>
-            <a:br>
-              <a:rPr lang="en-US" sz="2400" dirty="0"/>
-            </a:br>
-            <a:r>
-              <a:rPr lang="en-US" sz="2400" dirty="0" err="1"/>
-              <a:t>v.i_value</a:t>
-            </a:r>
-            <a:r>
-              <a:rPr lang="en-US" sz="2400" dirty="0"/>
-              <a:t> = 5;   /* holds integer  */</a:t>
-            </a:r>
-            <a:br>
-              <a:rPr lang="en-US" sz="2400" dirty="0"/>
-            </a:br>
-            <a:r>
-              <a:rPr lang="en-US" sz="2400" dirty="0" err="1"/>
-              <a:t>v.f_value</a:t>
-            </a:r>
-            <a:r>
-              <a:rPr lang="en-US" sz="2400" dirty="0"/>
-              <a:t> = 5.25f;  /* now holds float */</a:t>
-            </a:r>
-            <a:br>
-              <a:rPr lang="en-US" sz="2400" dirty="0"/>
-            </a:br>
-            <a:r>
-              <a:rPr lang="en-US" sz="2400" dirty="0"/>
-              <a:t>/* but not both! */</a:t>
-            </a:r>
-          </a:p>
-          <a:p>
-            <a:pPr marL="0" indent="0">
-              <a:buNone/>
-            </a:pPr>
-            <a:endParaRPr lang="en-US" sz="1800" b="1" dirty="0">
-              <a:latin typeface="Courier" charset="0"/>
-              <a:ea typeface="Courier" charset="0"/>
-              <a:cs typeface="Courier" charset="0"/>
-            </a:endParaRPr>
-          </a:p>
-        </p:txBody>
-      </p:sp>
-      <p:sp>
-        <p:nvSpPr>
-          <p:cNvPr id="4" name="TextBox 3"/>
-          <p:cNvSpPr txBox="1"/>
-          <p:nvPr/>
-        </p:nvSpPr>
-        <p:spPr>
-          <a:xfrm>
-            <a:off x="9647865" y="6614044"/>
-            <a:ext cx="314510" cy="400110"/>
-          </a:xfrm>
-          <a:prstGeom prst="rect">
-            <a:avLst/>
-          </a:prstGeom>
-          <a:noFill/>
-        </p:spPr>
-        <p:txBody>
-          <a:bodyPr wrap="none" rtlCol="0">
-            <a:spAutoFit/>
-          </a:bodyPr>
-          <a:lstStyle/>
-          <a:p>
-            <a:r>
-              <a:rPr lang="en-US" dirty="0"/>
-              <a:t>6</a:t>
-            </a:r>
-          </a:p>
-        </p:txBody>
-      </p:sp>
-    </p:spTree>
-    <p:extLst>
-      <p:ext uri="{BB962C8B-B14F-4D97-AF65-F5344CB8AC3E}">
-        <p14:creationId xmlns:p14="http://schemas.microsoft.com/office/powerpoint/2010/main" val="1701602750"/>
-      </p:ext>
-    </p:extLst>
-  </p:cSld>
-  <p:clrMapOvr>
-    <a:masterClrMapping/>
-  </p:clrMapOvr>
-</p:sld>
-</file>
-
-<file path=ppt/slides/slide14.xml><?xml version="1.0" encoding="utf-8"?>
-<p:sld xmlns:a="http://schemas.openxmlformats.org/drawingml/2006/main" xmlns:r="http://schemas.openxmlformats.org/officeDocument/2006/relationships" xmlns:p="http://schemas.openxmlformats.org/presentationml/2006/main">
-  <p:cSld>
-    <p:spTree>
-      <p:nvGrpSpPr>
-        <p:cNvPr id="1" name=""/>
-        <p:cNvGrpSpPr/>
-        <p:nvPr/>
-      </p:nvGrpSpPr>
-      <p:grpSpPr>
-        <a:xfrm>
-          <a:off x="0" y="0"/>
-          <a:ext cx="0" cy="0"/>
-          <a:chOff x="0" y="0"/>
-          <a:chExt cx="0" cy="0"/>
-        </a:xfrm>
-      </p:grpSpPr>
-      <p:sp>
-        <p:nvSpPr>
-          <p:cNvPr id="2" name="Text Placeholder 1"/>
-          <p:cNvSpPr>
-            <a:spLocks noGrp="1"/>
-          </p:cNvSpPr>
-          <p:nvPr>
-            <p:ph type="body" sz="quarter" idx="10"/>
-          </p:nvPr>
-        </p:nvSpPr>
-        <p:spPr/>
-        <p:txBody>
-          <a:bodyPr/>
-          <a:lstStyle/>
-          <a:p>
-            <a:r>
-              <a:rPr lang="en-US" dirty="0"/>
               <a:t>Arrays of </a:t>
             </a:r>
             <a:r>
@@ -4475,8 +3803,29 @@
                 <a:ea typeface="Courier" charset="0"/>
                 <a:cs typeface="Courier" charset="0"/>
               </a:rPr>
-              <a:t>ece220[0].Name[0] = “J”;</a:t>
-            </a:r>
+              <a:t>ece220[0].Name[0] = </a:t>
+            </a:r>
+            <a:r>
+              <a:rPr lang="en-US" sz="2000" b="1" dirty="0" smtClean="0">
+                <a:latin typeface="Courier" charset="0"/>
+                <a:ea typeface="Courier" charset="0"/>
+                <a:cs typeface="Courier" charset="0"/>
+              </a:rPr>
+              <a:t>‘</a:t>
+            </a:r>
+            <a:r>
+              <a:rPr lang="en-US" sz="2000" b="1" dirty="0" smtClean="0">
+                <a:latin typeface="Courier" charset="0"/>
+                <a:ea typeface="Courier" charset="0"/>
+                <a:cs typeface="Courier" charset="0"/>
+              </a:rPr>
+              <a:t>J’;</a:t>
+            </a:r>
+            <a:endParaRPr lang="en-US" sz="2000" b="1" dirty="0">
+              <a:latin typeface="Courier" charset="0"/>
+              <a:ea typeface="Courier" charset="0"/>
+              <a:cs typeface="Courier" charset="0"/>
+            </a:endParaRPr>
           </a:p>
           <a:p>
             <a:pPr marL="0" indent="0">
@@ -4488,8 +3837,37 @@
                 <a:ea typeface="Courier" charset="0"/>
                 <a:cs typeface="Courier" charset="0"/>
               </a:rPr>
-              <a:t>ece220[0].Name[1] = “o”;</a:t>
-            </a:r>
+              <a:t>ece220[0].Name[1] = </a:t>
+            </a:r>
+            <a:r>
+              <a:rPr lang="en-US" sz="2000" b="1" dirty="0" smtClean="0">
+                <a:latin typeface="Courier" charset="0"/>
+                <a:ea typeface="Courier" charset="0"/>
+                <a:cs typeface="Courier" charset="0"/>
+              </a:rPr>
+              <a:t>‘o</a:t>
+            </a:r>
+            <a:r>
+              <a:rPr lang="en-US" sz="2000" b="1" dirty="0" smtClean="0">
+                <a:latin typeface="Courier" charset="0"/>
+                <a:ea typeface="Courier" charset="0"/>
+                <a:cs typeface="Courier" charset="0"/>
+              </a:rPr>
+              <a:t>’</a:t>
+            </a:r>
+            <a:r>
+              <a:rPr lang="en-US" sz="2000" b="1" dirty="0" smtClean="0">
+                <a:latin typeface="Courier" charset="0"/>
+                <a:ea typeface="Courier" charset="0"/>
+                <a:cs typeface="Courier" charset="0"/>
+              </a:rPr>
+              <a:t>;</a:t>
+            </a:r>
+            <a:endParaRPr lang="en-US" sz="2000" b="1" dirty="0">
+              <a:latin typeface="Courier" charset="0"/>
+              <a:ea typeface="Courier" charset="0"/>
+              <a:cs typeface="Courier" charset="0"/>
+            </a:endParaRPr>
           </a:p>
           <a:p>
             <a:pPr marL="0" indent="0">
@@ -4501,21 +3879,87 @@
                 <a:ea typeface="Courier" charset="0"/>
                 <a:cs typeface="Courier" charset="0"/>
               </a:rPr>
-              <a:t>ece220[0].Name[2] = “h”;</a:t>
-            </a:r>
-          </a:p>
-          <a:p>
-            <a:pPr marL="0" indent="0">
-              <a:buNone/>
-            </a:pPr>
+              <a:t>ece220[0].Name[2] = </a:t>
+            </a:r>
+            <a:r>
+              <a:rPr lang="en-US" sz="2000" b="1" dirty="0" smtClean="0">
+                <a:latin typeface="Courier" charset="0"/>
+                <a:ea typeface="Courier" charset="0"/>
+                <a:cs typeface="Courier" charset="0"/>
+              </a:rPr>
+              <a:t>‘h</a:t>
+            </a:r>
+            <a:r>
+              <a:rPr lang="en-US" sz="2000" b="1" dirty="0" smtClean="0">
+                <a:latin typeface="Courier" charset="0"/>
+                <a:ea typeface="Courier" charset="0"/>
+                <a:cs typeface="Courier" charset="0"/>
+              </a:rPr>
+              <a:t>’</a:t>
+            </a:r>
+            <a:r>
+              <a:rPr lang="en-US" sz="2000" b="1" dirty="0" smtClean="0">
+                <a:latin typeface="Courier" charset="0"/>
+                <a:ea typeface="Courier" charset="0"/>
+                <a:cs typeface="Courier" charset="0"/>
+              </a:rPr>
+              <a:t>;</a:t>
+            </a:r>
+            <a:endParaRPr lang="en-US" sz="2000" b="1" dirty="0">
+              <a:latin typeface="Courier" charset="0"/>
+              <a:ea typeface="Courier" charset="0"/>
+              <a:cs typeface="Courier" charset="0"/>
+            </a:endParaRPr>
+          </a:p>
+          <a:p>
+            <a:pPr marL="0" indent="0">
+              <a:buNone/>
+            </a:pPr>
+            <a:r>
+              <a:rPr lang="en-US" sz="2000" b="1" dirty="0" smtClean="0">
+                <a:latin typeface="Courier" charset="0"/>
+                <a:ea typeface="Courier" charset="0"/>
+                <a:cs typeface="Courier" charset="0"/>
+              </a:rPr>
+              <a:t>ece220[0].</a:t>
+            </a:r>
             <a:r>
               <a:rPr lang="en-US" sz="2000" b="1" dirty="0">
                 <a:latin typeface="Courier" charset="0"/>
                 <a:ea typeface="Courier" charset="0"/>
                 <a:cs typeface="Courier" charset="0"/>
               </a:rPr>
-              <a:t>ece220[0].Name[3] = “n”;</a:t>
-            </a:r>
+              <a:t>Name[3] = </a:t>
+            </a:r>
+            <a:r>
+              <a:rPr lang="en-US" sz="2000" b="1" dirty="0" smtClean="0">
+                <a:latin typeface="Courier" charset="0"/>
+                <a:ea typeface="Courier" charset="0"/>
+                <a:cs typeface="Courier" charset="0"/>
+              </a:rPr>
+              <a:t>‘n</a:t>
+            </a:r>
+            <a:r>
+              <a:rPr lang="en-US" sz="2000" b="1" dirty="0" smtClean="0">
+                <a:latin typeface="Courier" charset="0"/>
+                <a:ea typeface="Courier" charset="0"/>
+                <a:cs typeface="Courier" charset="0"/>
+              </a:rPr>
+              <a:t>’</a:t>
+            </a:r>
+            <a:r>
+              <a:rPr lang="en-US" sz="2000" b="1" dirty="0" smtClean="0">
+                <a:latin typeface="Courier" charset="0"/>
+                <a:ea typeface="Courier" charset="0"/>
+                <a:cs typeface="Courier" charset="0"/>
+              </a:rPr>
+              <a:t>;</a:t>
+            </a:r>
+            <a:endParaRPr lang="en-US" sz="2000" b="1" dirty="0">
+              <a:latin typeface="Courier" charset="0"/>
+              <a:ea typeface="Courier" charset="0"/>
+              <a:cs typeface="Courier" charset="0"/>
+            </a:endParaRPr>
           </a:p>
           <a:p>
             <a:pPr marL="0" indent="0">
@@ -4720,7 +4164,7 @@
 </p:sld>
 </file>
 
-<file path=ppt/slides/slide15.xml><?xml version="1.0" encoding="utf-8"?>
+<file path=ppt/slides/slide13.xml><?xml version="1.0" encoding="utf-8"?>
 <p:sld xmlns:a="http://schemas.openxmlformats.org/drawingml/2006/main" xmlns:r="http://schemas.openxmlformats.org/officeDocument/2006/relationships" xmlns:p="http://schemas.openxmlformats.org/presentationml/2006/main">
   <p:cSld>
     <p:spTree>
@@ -4936,6 +4380,39 @@
             <a:pPr marL="0" indent="0">
               <a:buNone/>
             </a:pPr>
+            <a:r>
+              <a:rPr lang="en-US" sz="2400" b="1" dirty="0" smtClean="0">
+                <a:solidFill>
+                  <a:srgbClr val="0070C0"/>
+                </a:solidFill>
+                <a:latin typeface="Courier" charset="0"/>
+                <a:ea typeface="Courier" charset="0"/>
+                <a:cs typeface="Courier" charset="0"/>
+              </a:rPr>
+              <a:t>//</a:t>
+            </a:r>
+            <a:r>
+              <a:rPr lang="en-US" sz="2400" b="1" dirty="0" err="1" smtClean="0">
+                <a:solidFill>
+                  <a:srgbClr val="0070C0"/>
+                </a:solidFill>
+                <a:latin typeface="Courier" charset="0"/>
+                <a:ea typeface="Courier" charset="0"/>
+                <a:cs typeface="Courier" charset="0"/>
+              </a:rPr>
+              <a:t>ptr</a:t>
+            </a:r>
+            <a:r>
+              <a:rPr lang="en-US" sz="2400" b="1" dirty="0" smtClean="0">
+                <a:solidFill>
+                  <a:srgbClr val="0070C0"/>
+                </a:solidFill>
+                <a:latin typeface="Courier" charset="0"/>
+                <a:ea typeface="Courier" charset="0"/>
+                <a:cs typeface="Courier" charset="0"/>
+              </a:rPr>
+              <a:t> = &amp;ece220[5];</a:t>
+            </a:r>
             <a:endParaRPr lang="en-US" sz="2400" b="1" dirty="0">
               <a:solidFill>
                 <a:srgbClr val="0070C0"/>
@@ -5080,8 +4557,57 @@
                 <a:ea typeface="Courier" charset="0"/>
                 <a:cs typeface="Courier" charset="0"/>
               </a:rPr>
-              <a:t>-&gt;UIN = 123456789;</a:t>
-            </a:r>
+              <a:t>-&gt;UIN = 123456789</a:t>
+            </a:r>
+            <a:r>
+              <a:rPr lang="en-US" sz="2400" b="1" dirty="0" smtClean="0">
+                <a:latin typeface="Courier" charset="0"/>
+                <a:ea typeface="Courier" charset="0"/>
+                <a:cs typeface="Courier" charset="0"/>
+              </a:rPr>
+              <a:t>;   </a:t>
+            </a:r>
+            <a:r>
+              <a:rPr lang="en-US" sz="2400" b="1" dirty="0" smtClean="0">
+                <a:solidFill>
+                  <a:srgbClr val="00B050"/>
+                </a:solidFill>
+                <a:latin typeface="Courier" charset="0"/>
+                <a:ea typeface="Courier" charset="0"/>
+                <a:cs typeface="Courier" charset="0"/>
+              </a:rPr>
+              <a:t>//(*</a:t>
+            </a:r>
+            <a:r>
+              <a:rPr lang="en-US" sz="2400" b="1" dirty="0" err="1" smtClean="0">
+                <a:solidFill>
+                  <a:srgbClr val="00B050"/>
+                </a:solidFill>
+                <a:latin typeface="Courier" charset="0"/>
+                <a:ea typeface="Courier" charset="0"/>
+                <a:cs typeface="Courier" charset="0"/>
+              </a:rPr>
+              <a:t>ptr</a:t>
+            </a:r>
+            <a:r>
+              <a:rPr lang="en-US" sz="2400" b="1" dirty="0" smtClean="0">
+                <a:solidFill>
+                  <a:srgbClr val="00B050"/>
+                </a:solidFill>
+                <a:latin typeface="Courier" charset="0"/>
+                <a:ea typeface="Courier" charset="0"/>
+                <a:cs typeface="Courier" charset="0"/>
+              </a:rPr>
+              <a:t>).UIN</a:t>
+            </a:r>
+            <a:endParaRPr lang="en-US" sz="2400" b="1" dirty="0">
+              <a:solidFill>
+                <a:srgbClr val="00B050"/>
+              </a:solidFill>
+              <a:latin typeface="Courier" charset="0"/>
+              <a:ea typeface="Courier" charset="0"/>
+              <a:cs typeface="Courier" charset="0"/>
+            </a:endParaRPr>
           </a:p>
           <a:p>
             <a:pPr marL="0" indent="0">
@@ -5103,11 +4629,84 @@
               </a:rPr>
               <a:t>-&gt;GPA = 3.89; </a:t>
             </a:r>
-          </a:p>
-          <a:p>
-            <a:pPr marL="0" indent="0">
-              <a:buNone/>
-            </a:pPr>
+            <a:r>
+              <a:rPr lang="en-US" sz="2400" b="1" dirty="0" smtClean="0">
+                <a:latin typeface="Courier" charset="0"/>
+                <a:ea typeface="Courier" charset="0"/>
+                <a:cs typeface="Courier" charset="0"/>
+              </a:rPr>
+              <a:t>      </a:t>
+            </a:r>
+            <a:r>
+              <a:rPr lang="en-US" sz="2400" b="1" dirty="0" smtClean="0">
+                <a:solidFill>
+                  <a:srgbClr val="00B050"/>
+                </a:solidFill>
+                <a:latin typeface="Courier" charset="0"/>
+                <a:ea typeface="Courier" charset="0"/>
+                <a:cs typeface="Courier" charset="0"/>
+              </a:rPr>
+              <a:t>//(*</a:t>
+            </a:r>
+            <a:r>
+              <a:rPr lang="en-US" sz="2400" b="1" dirty="0" err="1">
+                <a:solidFill>
+                  <a:srgbClr val="00B050"/>
+                </a:solidFill>
+                <a:latin typeface="Courier" charset="0"/>
+                <a:ea typeface="Courier" charset="0"/>
+                <a:cs typeface="Courier" charset="0"/>
+              </a:rPr>
+              <a:t>ptr</a:t>
+            </a:r>
+            <a:r>
+              <a:rPr lang="en-US" sz="2400" b="1" dirty="0" smtClean="0">
+                <a:solidFill>
+                  <a:srgbClr val="00B050"/>
+                </a:solidFill>
+                <a:latin typeface="Courier" charset="0"/>
+                <a:ea typeface="Courier" charset="0"/>
+                <a:cs typeface="Courier" charset="0"/>
+              </a:rPr>
+              <a:t>).GPA</a:t>
+            </a:r>
+            <a:endParaRPr lang="en-US" sz="2400" b="1" dirty="0">
+              <a:solidFill>
+                <a:srgbClr val="00B050"/>
+              </a:solidFill>
+              <a:latin typeface="Courier" charset="0"/>
+              <a:ea typeface="Courier" charset="0"/>
+              <a:cs typeface="Courier" charset="0"/>
+            </a:endParaRPr>
+          </a:p>
+          <a:p>
+            <a:pPr marL="0" indent="0">
+              <a:buNone/>
+            </a:pPr>
+            <a:endParaRPr lang="en-US" sz="2400" b="1" dirty="0" smtClean="0">
+              <a:solidFill>
+                <a:srgbClr val="C00000"/>
+              </a:solidFill>
+              <a:latin typeface="Courier" charset="0"/>
+              <a:ea typeface="Courier" charset="0"/>
+              <a:cs typeface="Courier" charset="0"/>
+            </a:endParaRPr>
+          </a:p>
+          <a:p>
+            <a:pPr marL="0" indent="0">
+              <a:buNone/>
+            </a:pPr>
+            <a:r>
+              <a:rPr lang="en-US" sz="2400" b="1" dirty="0" smtClean="0">
+                <a:solidFill>
+                  <a:srgbClr val="C00000"/>
+                </a:solidFill>
+                <a:latin typeface="Courier" charset="0"/>
+                <a:ea typeface="Courier" charset="0"/>
+                <a:cs typeface="Courier" charset="0"/>
+              </a:rPr>
+              <a:t>//</a:t>
+            </a:r>
             <a:r>
               <a:rPr lang="en-US" sz="2400" b="1" dirty="0">
                 <a:solidFill>
@@ -5117,7 +4716,7 @@
                 <a:ea typeface="Courier" charset="0"/>
                 <a:cs typeface="Courier" charset="0"/>
               </a:rPr>
-              <a:t>//which student record has been changed?</a:t>
+              <a:t>which student record has been changed?</a:t>
             </a:r>
           </a:p>
           <a:p>
@@ -5308,7 +4907,7 @@
 </p:sld>
 </file>
 
-<file path=ppt/slides/slide16.xml><?xml version="1.0" encoding="utf-8"?>
+<file path=ppt/slides/slide14.xml><?xml version="1.0" encoding="utf-8"?>
 <p:sld xmlns:a="http://schemas.openxmlformats.org/drawingml/2006/main" xmlns:r="http://schemas.openxmlformats.org/officeDocument/2006/relationships" xmlns:p="http://schemas.openxmlformats.org/presentationml/2006/main">
   <p:cSld>
     <p:spTree>
@@ -5983,7 +5582,7 @@
 </p:sld>
 </file>
 
-<file path=ppt/slides/slide17.xml><?xml version="1.0" encoding="utf-8"?>
+<file path=ppt/slides/slide15.xml><?xml version="1.0" encoding="utf-8"?>
 <p:sld xmlns:a="http://schemas.openxmlformats.org/drawingml/2006/main" xmlns:r="http://schemas.openxmlformats.org/officeDocument/2006/relationships" xmlns:p="http://schemas.openxmlformats.org/presentationml/2006/main">
   <p:cSld>
     <p:spTree>
@@ -7604,6 +7203,813 @@
 </p:sld>
 </file>
 
+<file path=ppt/slides/slide16.xml><?xml version="1.0" encoding="utf-8"?>
+<p:sld xmlns:a="http://schemas.openxmlformats.org/drawingml/2006/main" xmlns:r="http://schemas.openxmlformats.org/officeDocument/2006/relationships" xmlns:p="http://schemas.openxmlformats.org/presentationml/2006/main">
+  <p:cSld>
+    <p:spTree>
+      <p:nvGrpSpPr>
+        <p:cNvPr id="1" name=""/>
+        <p:cNvGrpSpPr/>
+        <p:nvPr/>
+      </p:nvGrpSpPr>
+      <p:grpSpPr>
+        <a:xfrm>
+          <a:off x="0" y="0"/>
+          <a:ext cx="0" cy="0"/>
+          <a:chOff x="0" y="0"/>
+          <a:chExt cx="0" cy="0"/>
+        </a:xfrm>
+      </p:grpSpPr>
+      <p:sp>
+        <p:nvSpPr>
+          <p:cNvPr id="2" name="Text Placeholder 1"/>
+          <p:cNvSpPr>
+            <a:spLocks noGrp="1"/>
+          </p:cNvSpPr>
+          <p:nvPr>
+            <p:ph type="body" sz="quarter" idx="10"/>
+          </p:nvPr>
+        </p:nvSpPr>
+        <p:spPr>
+          <a:xfrm>
+            <a:off x="287481" y="247650"/>
+            <a:ext cx="9245600" cy="742950"/>
+          </a:xfrm>
+        </p:spPr>
+        <p:txBody>
+          <a:bodyPr/>
+          <a:lstStyle/>
+          <a:p>
+            <a:r>
+              <a:rPr lang="en-US" dirty="0"/>
+              <a:t>Enumeration Constants:</a:t>
+            </a:r>
+          </a:p>
+        </p:txBody>
+      </p:sp>
+      <p:sp>
+        <p:nvSpPr>
+          <p:cNvPr id="3" name="Text Placeholder 2"/>
+          <p:cNvSpPr>
+            <a:spLocks noGrp="1"/>
+          </p:cNvSpPr>
+          <p:nvPr>
+            <p:ph type="body" sz="quarter" idx="12"/>
+          </p:nvPr>
+        </p:nvSpPr>
+        <p:spPr>
+          <a:xfrm>
+            <a:off x="444500" y="898432"/>
+            <a:ext cx="9245600" cy="5506121"/>
+          </a:xfrm>
+        </p:spPr>
+        <p:txBody>
+          <a:bodyPr/>
+          <a:lstStyle/>
+          <a:p>
+            <a:pPr marL="0" indent="0">
+              <a:buNone/>
+            </a:pPr>
+            <a:endParaRPr lang="en-US" sz="1200" b="1" dirty="0"/>
+          </a:p>
+          <a:p>
+            <a:pPr marL="0" indent="0">
+              <a:buNone/>
+            </a:pPr>
+            <a:r>
+              <a:rPr lang="en-US" b="1" dirty="0">
+                <a:solidFill>
+                  <a:srgbClr val="C00000"/>
+                </a:solidFill>
+              </a:rPr>
+              <a:t>Enumerated </a:t>
+            </a:r>
+            <a:r>
+              <a:rPr lang="en-US" b="1" dirty="0"/>
+              <a:t>data type: </a:t>
+            </a:r>
+          </a:p>
+          <a:p>
+            <a:r>
+              <a:rPr lang="en-US" b="1" dirty="0"/>
+              <a:t>An enumeration, introduced by the keyword </a:t>
+            </a:r>
+            <a:r>
+              <a:rPr lang="en-US" b="1" dirty="0" err="1"/>
+              <a:t>enum</a:t>
+            </a:r>
+            <a:r>
+              <a:rPr lang="en-US" b="1" dirty="0"/>
+              <a:t>, is a set of integer constants represented by identifiers.</a:t>
+            </a:r>
+          </a:p>
+          <a:p>
+            <a:r>
+              <a:rPr lang="en-US" b="1" dirty="0"/>
+              <a:t>Values in an </a:t>
+            </a:r>
+            <a:r>
+              <a:rPr lang="en-US" b="1" dirty="0" err="1"/>
+              <a:t>enum</a:t>
+            </a:r>
+            <a:r>
+              <a:rPr lang="en-US" b="1" dirty="0"/>
+              <a:t> start with 0, unless specified otherwise, and are incremented by 1.</a:t>
+            </a:r>
+          </a:p>
+          <a:p>
+            <a:pPr marL="0" indent="0" algn="ctr">
+              <a:buNone/>
+            </a:pPr>
+            <a:r>
+              <a:rPr lang="en-US" dirty="0">
+                <a:solidFill>
+                  <a:srgbClr val="C00000"/>
+                </a:solidFill>
+              </a:rPr>
+              <a:t>Syntax: </a:t>
+            </a:r>
+            <a:r>
+              <a:rPr lang="en-US" dirty="0" err="1">
+                <a:solidFill>
+                  <a:srgbClr val="C00000"/>
+                </a:solidFill>
+              </a:rPr>
+              <a:t>enum</a:t>
+            </a:r>
+            <a:r>
+              <a:rPr lang="en-US" dirty="0">
+                <a:solidFill>
+                  <a:srgbClr val="C00000"/>
+                </a:solidFill>
+              </a:rPr>
+              <a:t> [tag] { enumerator-list }</a:t>
+            </a:r>
+            <a:endParaRPr lang="en-US" sz="1000" b="1" u="sng" dirty="0">
+              <a:solidFill>
+                <a:srgbClr val="C00000"/>
+              </a:solidFill>
+            </a:endParaRPr>
+          </a:p>
+          <a:p>
+            <a:pPr marL="0" indent="0">
+              <a:buNone/>
+            </a:pPr>
+            <a:r>
+              <a:rPr lang="en-US" sz="2000" b="1" dirty="0">
+                <a:solidFill>
+                  <a:schemeClr val="tx1"/>
+                </a:solidFill>
+              </a:rPr>
+              <a:t>Example:</a:t>
+            </a:r>
+          </a:p>
+          <a:p>
+            <a:pPr marL="0" indent="0">
+              <a:buNone/>
+            </a:pPr>
+            <a:r>
+              <a:rPr lang="en-US" sz="2000" b="1" dirty="0" err="1">
+                <a:solidFill>
+                  <a:schemeClr val="bg2">
+                    <a:lumMod val="25000"/>
+                  </a:schemeClr>
+                </a:solidFill>
+                <a:ea typeface="Courier" charset="0"/>
+                <a:cs typeface="Courier" charset="0"/>
+              </a:rPr>
+              <a:t>enum</a:t>
+            </a:r>
+            <a:r>
+              <a:rPr lang="en-US" sz="2000" b="1" dirty="0">
+                <a:solidFill>
+                  <a:schemeClr val="bg2">
+                    <a:lumMod val="25000"/>
+                  </a:schemeClr>
+                </a:solidFill>
+                <a:ea typeface="Courier" charset="0"/>
+                <a:cs typeface="Courier" charset="0"/>
+              </a:rPr>
+              <a:t> </a:t>
+            </a:r>
+            <a:r>
+              <a:rPr lang="en-US" sz="2000" b="1" dirty="0">
+                <a:solidFill>
+                  <a:srgbClr val="0070C0"/>
+                </a:solidFill>
+                <a:ea typeface="Courier" charset="0"/>
+                <a:cs typeface="Courier" charset="0"/>
+              </a:rPr>
+              <a:t>Months</a:t>
+            </a:r>
+            <a:r>
+              <a:rPr lang="en-US" sz="2000" b="1" dirty="0">
+                <a:ea typeface="Courier" charset="0"/>
+                <a:cs typeface="Courier" charset="0"/>
+              </a:rPr>
+              <a:t> {JAN, FEB, MAR, APR, MAY, JUN, JUL, AUG, SEP, OCT, NOV, DEC};</a:t>
+            </a:r>
+          </a:p>
+          <a:p>
+            <a:pPr marL="0" indent="0">
+              <a:buNone/>
+            </a:pPr>
+            <a:r>
+              <a:rPr lang="en-US" sz="2000" b="1" dirty="0" err="1">
+                <a:solidFill>
+                  <a:schemeClr val="bg2">
+                    <a:lumMod val="25000"/>
+                  </a:schemeClr>
+                </a:solidFill>
+                <a:ea typeface="Courier" charset="0"/>
+                <a:cs typeface="Courier" charset="0"/>
+              </a:rPr>
+              <a:t>enum</a:t>
+            </a:r>
+            <a:r>
+              <a:rPr lang="en-US" sz="2000" b="1" dirty="0">
+                <a:solidFill>
+                  <a:schemeClr val="bg2">
+                    <a:lumMod val="25000"/>
+                  </a:schemeClr>
+                </a:solidFill>
+                <a:ea typeface="Courier" charset="0"/>
+                <a:cs typeface="Courier" charset="0"/>
+              </a:rPr>
+              <a:t> </a:t>
+            </a:r>
+            <a:r>
+              <a:rPr lang="en-US" sz="2000" b="1" dirty="0">
+                <a:solidFill>
+                  <a:srgbClr val="0070C0"/>
+                </a:solidFill>
+                <a:ea typeface="Courier" charset="0"/>
+                <a:cs typeface="Courier" charset="0"/>
+              </a:rPr>
+              <a:t>Months</a:t>
+            </a:r>
+            <a:r>
+              <a:rPr lang="en-US" sz="2000" b="1" dirty="0">
+                <a:solidFill>
+                  <a:schemeClr val="tx1"/>
+                </a:solidFill>
+                <a:ea typeface="Courier" charset="0"/>
+                <a:cs typeface="Courier" charset="0"/>
+              </a:rPr>
+              <a:t> </a:t>
+            </a:r>
+            <a:r>
+              <a:rPr lang="en-US" sz="2000" b="1" dirty="0" err="1">
+                <a:solidFill>
+                  <a:schemeClr val="accent2">
+                    <a:lumMod val="50000"/>
+                  </a:schemeClr>
+                </a:solidFill>
+                <a:ea typeface="Courier" charset="0"/>
+                <a:cs typeface="Courier" charset="0"/>
+              </a:rPr>
+              <a:t>cur_month</a:t>
+            </a:r>
+            <a:r>
+              <a:rPr lang="en-US" sz="2000" b="1" dirty="0">
+                <a:solidFill>
+                  <a:schemeClr val="tx1"/>
+                </a:solidFill>
+                <a:ea typeface="Courier" charset="0"/>
+                <a:cs typeface="Courier" charset="0"/>
+              </a:rPr>
+              <a:t>;</a:t>
+            </a:r>
+          </a:p>
+          <a:p>
+            <a:pPr marL="0" indent="0">
+              <a:buNone/>
+            </a:pPr>
+            <a:r>
+              <a:rPr lang="en-US" sz="2000" b="1" dirty="0" err="1">
+                <a:ea typeface="Courier" charset="0"/>
+                <a:cs typeface="Courier" charset="0"/>
+              </a:rPr>
+              <a:t>cur_month</a:t>
+            </a:r>
+            <a:r>
+              <a:rPr lang="en-US" sz="2000" b="1" dirty="0">
+                <a:ea typeface="Courier" charset="0"/>
+                <a:cs typeface="Courier" charset="0"/>
+              </a:rPr>
+              <a:t> = MAR; //Here JAN equals 0, FEB equals 1, and so on..</a:t>
+            </a:r>
+          </a:p>
+          <a:p>
+            <a:pPr marL="0" indent="0">
+              <a:buNone/>
+            </a:pPr>
+            <a:r>
+              <a:rPr lang="en-US" sz="2000" b="1" dirty="0">
+                <a:solidFill>
+                  <a:srgbClr val="C00000"/>
+                </a:solidFill>
+                <a:ea typeface="Courier" charset="0"/>
+                <a:cs typeface="Courier" charset="0"/>
+              </a:rPr>
+              <a:t>//what is the value of </a:t>
+            </a:r>
+            <a:r>
+              <a:rPr lang="en-US" sz="2000" b="1" dirty="0" err="1">
+                <a:solidFill>
+                  <a:srgbClr val="C00000"/>
+                </a:solidFill>
+                <a:ea typeface="Courier" charset="0"/>
+                <a:cs typeface="Courier" charset="0"/>
+              </a:rPr>
+              <a:t>cur_month</a:t>
+            </a:r>
+            <a:r>
+              <a:rPr lang="en-US" sz="2000" b="1" dirty="0">
+                <a:solidFill>
+                  <a:srgbClr val="C00000"/>
+                </a:solidFill>
+                <a:ea typeface="Courier" charset="0"/>
+                <a:cs typeface="Courier" charset="0"/>
+              </a:rPr>
+              <a:t>?</a:t>
+            </a:r>
+          </a:p>
+          <a:p>
+            <a:pPr marL="0" indent="0">
+              <a:buNone/>
+            </a:pPr>
+            <a:endParaRPr lang="en-US" sz="2000" b="1" dirty="0">
+              <a:solidFill>
+                <a:srgbClr val="C00000"/>
+              </a:solidFill>
+              <a:ea typeface="Courier" charset="0"/>
+              <a:cs typeface="Courier" charset="0"/>
+            </a:endParaRPr>
+          </a:p>
+          <a:p>
+            <a:pPr marL="0" indent="0">
+              <a:buNone/>
+            </a:pPr>
+            <a:r>
+              <a:rPr lang="en-US" sz="2000" b="1" dirty="0">
+                <a:solidFill>
+                  <a:srgbClr val="C00000"/>
+                </a:solidFill>
+                <a:ea typeface="Courier" charset="0"/>
+                <a:cs typeface="Courier" charset="0"/>
+              </a:rPr>
+              <a:t>//what if we define it this way?</a:t>
+            </a:r>
+          </a:p>
+          <a:p>
+            <a:pPr marL="0" indent="0">
+              <a:buNone/>
+            </a:pPr>
+            <a:r>
+              <a:rPr lang="en-US" sz="2000" b="1" dirty="0" err="1">
+                <a:solidFill>
+                  <a:schemeClr val="bg2">
+                    <a:lumMod val="25000"/>
+                  </a:schemeClr>
+                </a:solidFill>
+                <a:ea typeface="Courier" charset="0"/>
+                <a:cs typeface="Courier" charset="0"/>
+              </a:rPr>
+              <a:t>enum</a:t>
+            </a:r>
+            <a:r>
+              <a:rPr lang="en-US" sz="2000" b="1" dirty="0">
+                <a:solidFill>
+                  <a:srgbClr val="C00000"/>
+                </a:solidFill>
+                <a:ea typeface="Courier" charset="0"/>
+                <a:cs typeface="Courier" charset="0"/>
+              </a:rPr>
+              <a:t> </a:t>
+            </a:r>
+            <a:r>
+              <a:rPr lang="en-US" sz="2000" b="1" dirty="0">
+                <a:solidFill>
+                  <a:srgbClr val="0070C0"/>
+                </a:solidFill>
+                <a:ea typeface="Courier" charset="0"/>
+                <a:cs typeface="Courier" charset="0"/>
+              </a:rPr>
+              <a:t>Months</a:t>
+            </a:r>
+            <a:r>
+              <a:rPr lang="en-US" sz="2000" b="1" dirty="0">
+                <a:ea typeface="Courier" charset="0"/>
+                <a:cs typeface="Courier" charset="0"/>
+              </a:rPr>
+              <a:t> {JAN=1, FEB, MAR, APR, MAY, JUN, JUL, AUG, SEP, OCT, NOV, DEC};</a:t>
+            </a:r>
+          </a:p>
+          <a:p>
+            <a:pPr marL="0" indent="0">
+              <a:buNone/>
+            </a:pPr>
+            <a:endParaRPr lang="en-US" sz="1800" b="1" dirty="0">
+              <a:solidFill>
+                <a:schemeClr val="tx1"/>
+              </a:solidFill>
+              <a:latin typeface="Courier" charset="0"/>
+              <a:ea typeface="Courier" charset="0"/>
+              <a:cs typeface="Courier" charset="0"/>
+            </a:endParaRPr>
+          </a:p>
+        </p:txBody>
+      </p:sp>
+      <p:sp>
+        <p:nvSpPr>
+          <p:cNvPr id="4" name="TextBox 3"/>
+          <p:cNvSpPr txBox="1"/>
+          <p:nvPr/>
+        </p:nvSpPr>
+        <p:spPr>
+          <a:xfrm>
+            <a:off x="9647865" y="6614044"/>
+            <a:ext cx="314510" cy="400110"/>
+          </a:xfrm>
+          <a:prstGeom prst="rect">
+            <a:avLst/>
+          </a:prstGeom>
+          <a:noFill/>
+        </p:spPr>
+        <p:txBody>
+          <a:bodyPr wrap="none" rtlCol="0">
+            <a:spAutoFit/>
+          </a:bodyPr>
+          <a:lstStyle/>
+          <a:p>
+            <a:r>
+              <a:rPr lang="en-US" dirty="0"/>
+              <a:t>3</a:t>
+            </a:r>
+          </a:p>
+        </p:txBody>
+      </p:sp>
+    </p:spTree>
+    <p:extLst>
+      <p:ext uri="{BB962C8B-B14F-4D97-AF65-F5344CB8AC3E}">
+        <p14:creationId xmlns:p14="http://schemas.microsoft.com/office/powerpoint/2010/main" val="3683170708"/>
+      </p:ext>
+    </p:extLst>
+  </p:cSld>
+  <p:clrMapOvr>
+    <a:masterClrMapping/>
+  </p:clrMapOvr>
+</p:sld>
+</file>
+
+<file path=ppt/slides/slide17.xml><?xml version="1.0" encoding="utf-8"?>
+<p:sld xmlns:a="http://schemas.openxmlformats.org/drawingml/2006/main" xmlns:r="http://schemas.openxmlformats.org/officeDocument/2006/relationships" xmlns:p="http://schemas.openxmlformats.org/presentationml/2006/main">
+  <p:cSld>
+    <p:spTree>
+      <p:nvGrpSpPr>
+        <p:cNvPr id="1" name=""/>
+        <p:cNvGrpSpPr/>
+        <p:nvPr/>
+      </p:nvGrpSpPr>
+      <p:grpSpPr>
+        <a:xfrm>
+          <a:off x="0" y="0"/>
+          <a:ext cx="0" cy="0"/>
+          <a:chOff x="0" y="0"/>
+          <a:chExt cx="0" cy="0"/>
+        </a:xfrm>
+      </p:grpSpPr>
+      <p:sp>
+        <p:nvSpPr>
+          <p:cNvPr id="2" name="Text Placeholder 1">
+            <a:extLst>
+              <a:ext uri="{FF2B5EF4-FFF2-40B4-BE49-F238E27FC236}">
+                <a16:creationId xmlns:a16="http://schemas.microsoft.com/office/drawing/2014/main" id="{49DDF104-FECA-434D-B08A-456D64FF1768}"/>
+              </a:ext>
+            </a:extLst>
+          </p:cNvPr>
+          <p:cNvSpPr>
+            <a:spLocks noGrp="1"/>
+          </p:cNvSpPr>
+          <p:nvPr>
+            <p:ph type="body" sz="quarter" idx="10"/>
+          </p:nvPr>
+        </p:nvSpPr>
+        <p:spPr/>
+        <p:txBody>
+          <a:bodyPr/>
+          <a:lstStyle/>
+          <a:p>
+            <a:r>
+              <a:rPr lang="en-US" dirty="0"/>
+              <a:t>Another Example (</a:t>
+            </a:r>
+            <a:r>
+              <a:rPr lang="en-US" dirty="0" err="1"/>
+              <a:t>enum</a:t>
+            </a:r>
+            <a:r>
+              <a:rPr lang="en-US" dirty="0"/>
+              <a:t>):</a:t>
+            </a:r>
+          </a:p>
+        </p:txBody>
+      </p:sp>
+      <p:pic>
+        <p:nvPicPr>
+          <p:cNvPr id="5" name="Picture 4">
+            <a:extLst>
+              <a:ext uri="{FF2B5EF4-FFF2-40B4-BE49-F238E27FC236}">
+                <a16:creationId xmlns:a16="http://schemas.microsoft.com/office/drawing/2014/main" id="{277E7189-61BB-4833-974C-329FE56A3EB2}"/>
+              </a:ext>
+            </a:extLst>
+          </p:cNvPr>
+          <p:cNvPicPr>
+            <a:picLocks noChangeAspect="1"/>
+          </p:cNvPicPr>
+          <p:nvPr/>
+        </p:nvPicPr>
+        <p:blipFill>
+          <a:blip r:embed="rId2"/>
+          <a:stretch>
+            <a:fillRect/>
+          </a:stretch>
+        </p:blipFill>
+        <p:spPr>
+          <a:xfrm>
+            <a:off x="366279" y="1453428"/>
+            <a:ext cx="9048750" cy="5419725"/>
+          </a:xfrm>
+          <a:prstGeom prst="rect">
+            <a:avLst/>
+          </a:prstGeom>
+        </p:spPr>
+      </p:pic>
+    </p:spTree>
+    <p:extLst>
+      <p:ext uri="{BB962C8B-B14F-4D97-AF65-F5344CB8AC3E}">
+        <p14:creationId xmlns:p14="http://schemas.microsoft.com/office/powerpoint/2010/main" val="3186939054"/>
+      </p:ext>
+    </p:extLst>
+  </p:cSld>
+  <p:clrMapOvr>
+    <a:masterClrMapping/>
+  </p:clrMapOvr>
+</p:sld>
+</file>
+
+<file path=ppt/slides/slide18.xml><?xml version="1.0" encoding="utf-8"?>
+<p:sld xmlns:a="http://schemas.openxmlformats.org/drawingml/2006/main" xmlns:r="http://schemas.openxmlformats.org/officeDocument/2006/relationships" xmlns:p="http://schemas.openxmlformats.org/presentationml/2006/main">
+  <p:cSld>
+    <p:spTree>
+      <p:nvGrpSpPr>
+        <p:cNvPr id="1" name=""/>
+        <p:cNvGrpSpPr/>
+        <p:nvPr/>
+      </p:nvGrpSpPr>
+      <p:grpSpPr>
+        <a:xfrm>
+          <a:off x="0" y="0"/>
+          <a:ext cx="0" cy="0"/>
+          <a:chOff x="0" y="0"/>
+          <a:chExt cx="0" cy="0"/>
+        </a:xfrm>
+      </p:grpSpPr>
+      <p:sp>
+        <p:nvSpPr>
+          <p:cNvPr id="2" name="Text Placeholder 1"/>
+          <p:cNvSpPr>
+            <a:spLocks noGrp="1"/>
+          </p:cNvSpPr>
+          <p:nvPr>
+            <p:ph type="body" sz="quarter" idx="10"/>
+          </p:nvPr>
+        </p:nvSpPr>
+        <p:spPr/>
+        <p:txBody>
+          <a:bodyPr/>
+          <a:lstStyle/>
+          <a:p>
+            <a:r>
+              <a:rPr lang="en-US" dirty="0"/>
+              <a:t>Unions</a:t>
+            </a:r>
+          </a:p>
+        </p:txBody>
+      </p:sp>
+      <p:sp>
+        <p:nvSpPr>
+          <p:cNvPr id="3" name="Text Placeholder 2"/>
+          <p:cNvSpPr>
+            <a:spLocks noGrp="1"/>
+          </p:cNvSpPr>
+          <p:nvPr>
+            <p:ph type="body" sz="quarter" idx="12"/>
+          </p:nvPr>
+        </p:nvSpPr>
+        <p:spPr>
+          <a:xfrm>
+            <a:off x="444500" y="1362075"/>
+            <a:ext cx="9245600" cy="5495925"/>
+          </a:xfrm>
+        </p:spPr>
+        <p:txBody>
+          <a:bodyPr/>
+          <a:lstStyle/>
+          <a:p>
+            <a:pPr lvl="0"/>
+            <a:r>
+              <a:rPr lang="en-US" sz="2400" dirty="0"/>
+              <a:t>a </a:t>
+            </a:r>
+            <a:r>
+              <a:rPr lang="en-US" sz="2400" b="1" dirty="0"/>
+              <a:t>union</a:t>
+            </a:r>
+            <a:r>
+              <a:rPr lang="en-US" sz="2400" dirty="0"/>
+              <a:t> data type is similar to a struct, however, it defines a single location in memory that can be given many different names</a:t>
+            </a:r>
+          </a:p>
+          <a:p>
+            <a:pPr lvl="0"/>
+            <a:r>
+              <a:rPr lang="en-US" sz="2400" dirty="0"/>
+              <a:t>Example:</a:t>
+            </a:r>
+          </a:p>
+          <a:p>
+            <a:pPr lvl="1"/>
+            <a:r>
+              <a:rPr lang="en-US" sz="2400" dirty="0"/>
+              <a:t>union </a:t>
+            </a:r>
+            <a:r>
+              <a:rPr lang="en-US" sz="2400" dirty="0" err="1"/>
+              <a:t>valueUnion</a:t>
+            </a:r>
+            <a:r>
+              <a:rPr lang="en-US" sz="2400" dirty="0"/>
+              <a:t/>
+            </a:r>
+            <a:br>
+              <a:rPr lang="en-US" sz="2400" dirty="0"/>
+            </a:br>
+            <a:r>
+              <a:rPr lang="en-US" sz="2400" dirty="0"/>
+              <a:t>{</a:t>
+            </a:r>
+            <a:br>
+              <a:rPr lang="en-US" sz="2400" dirty="0"/>
+            </a:br>
+            <a:r>
+              <a:rPr lang="en-US" sz="2400" dirty="0"/>
+              <a:t>    long int </a:t>
+            </a:r>
+            <a:r>
+              <a:rPr lang="en-US" sz="2400" dirty="0" err="1"/>
+              <a:t>i_value</a:t>
+            </a:r>
+            <a:r>
+              <a:rPr lang="en-US" sz="2400" dirty="0"/>
+              <a:t>;</a:t>
+            </a:r>
+            <a:br>
+              <a:rPr lang="en-US" sz="2400" dirty="0"/>
+            </a:br>
+            <a:r>
+              <a:rPr lang="en-US" sz="2400" dirty="0"/>
+              <a:t>    float </a:t>
+            </a:r>
+            <a:r>
+              <a:rPr lang="en-US" sz="2400" dirty="0" err="1"/>
+              <a:t>f_value</a:t>
+            </a:r>
+            <a:r>
+              <a:rPr lang="en-US" sz="2400" dirty="0"/>
+              <a:t>;</a:t>
+            </a:r>
+            <a:br>
+              <a:rPr lang="en-US" sz="2400" dirty="0"/>
+            </a:br>
+            <a:r>
+              <a:rPr lang="en-US" sz="2400" dirty="0"/>
+              <a:t>}</a:t>
+            </a:r>
+            <a:br>
+              <a:rPr lang="en-US" sz="2400" dirty="0"/>
+            </a:br>
+            <a:r>
+              <a:rPr lang="en-US" sz="2400" dirty="0"/>
+              <a:t/>
+            </a:r>
+            <a:br>
+              <a:rPr lang="en-US" sz="2400" dirty="0"/>
+            </a:br>
+            <a:r>
+              <a:rPr lang="en-US" sz="2400" dirty="0"/>
+              <a:t>union </a:t>
+            </a:r>
+            <a:r>
+              <a:rPr lang="en-US" sz="2400" dirty="0" err="1"/>
+              <a:t>valueUnion</a:t>
+            </a:r>
+            <a:r>
+              <a:rPr lang="en-US" sz="2400" dirty="0"/>
+              <a:t> v;</a:t>
+            </a:r>
+            <a:br>
+              <a:rPr lang="en-US" sz="2400" dirty="0"/>
+            </a:br>
+            <a:r>
+              <a:rPr lang="en-US" sz="2400" dirty="0"/>
+              <a:t/>
+            </a:r>
+            <a:br>
+              <a:rPr lang="en-US" sz="2400" dirty="0"/>
+            </a:br>
+            <a:r>
+              <a:rPr lang="en-US" sz="2400" dirty="0" err="1"/>
+              <a:t>v.i_value</a:t>
+            </a:r>
+            <a:r>
+              <a:rPr lang="en-US" sz="2400" dirty="0"/>
+              <a:t> = 5;   /* holds integer  */</a:t>
+            </a:r>
+            <a:br>
+              <a:rPr lang="en-US" sz="2400" dirty="0"/>
+            </a:br>
+            <a:r>
+              <a:rPr lang="en-US" sz="2400" dirty="0" err="1"/>
+              <a:t>v.f_value</a:t>
+            </a:r>
+            <a:r>
+              <a:rPr lang="en-US" sz="2400" dirty="0"/>
+              <a:t> = 5.25f;  /* now holds float */</a:t>
+            </a:r>
+            <a:br>
+              <a:rPr lang="en-US" sz="2400" dirty="0"/>
+            </a:br>
+            <a:r>
+              <a:rPr lang="en-US" sz="2400" dirty="0"/>
+              <a:t>/* but not both! */</a:t>
+            </a:r>
+          </a:p>
+          <a:p>
+            <a:pPr marL="0" indent="0">
+              <a:buNone/>
+            </a:pPr>
+            <a:endParaRPr lang="en-US" sz="1800" b="1" dirty="0">
+              <a:latin typeface="Courier" charset="0"/>
+              <a:ea typeface="Courier" charset="0"/>
+              <a:cs typeface="Courier" charset="0"/>
+            </a:endParaRPr>
+          </a:p>
+        </p:txBody>
+      </p:sp>
+      <p:sp>
+        <p:nvSpPr>
+          <p:cNvPr id="4" name="TextBox 3"/>
+          <p:cNvSpPr txBox="1"/>
+          <p:nvPr/>
+        </p:nvSpPr>
+        <p:spPr>
+          <a:xfrm>
+            <a:off x="9647865" y="6614044"/>
+            <a:ext cx="314510" cy="400110"/>
+          </a:xfrm>
+          <a:prstGeom prst="rect">
+            <a:avLst/>
+          </a:prstGeom>
+          <a:noFill/>
+        </p:spPr>
+        <p:txBody>
+          <a:bodyPr wrap="none" rtlCol="0">
+            <a:spAutoFit/>
+          </a:bodyPr>
+          <a:lstStyle/>
+          <a:p>
+            <a:r>
+              <a:rPr lang="en-US" dirty="0"/>
+              <a:t>6</a:t>
+            </a:r>
+          </a:p>
+        </p:txBody>
+      </p:sp>
+    </p:spTree>
+    <p:extLst>
+      <p:ext uri="{BB962C8B-B14F-4D97-AF65-F5344CB8AC3E}">
+        <p14:creationId xmlns:p14="http://schemas.microsoft.com/office/powerpoint/2010/main" val="1701602750"/>
+      </p:ext>
+    </p:extLst>
+  </p:cSld>
+  <p:clrMapOvr>
+    <a:masterClrMapping/>
+  </p:clrMapOvr>
+</p:sld>
+</file>
+
 <file path=ppt/slides/slide2.xml><?xml version="1.0" encoding="utf-8"?>
 <p:sld xmlns:a="http://schemas.openxmlformats.org/drawingml/2006/main" xmlns:r="http://schemas.openxmlformats.org/officeDocument/2006/relationships" xmlns:p="http://schemas.openxmlformats.org/presentationml/2006/main">
   <p:cSld>
@@ -7879,7 +8285,7 @@
         </p:nvSpPr>
         <p:spPr>
           <a:xfrm>
-            <a:off x="287481" y="247650"/>
+            <a:off x="444500" y="386771"/>
             <a:ext cx="9245600" cy="742950"/>
           </a:xfrm>
         </p:spPr>
@@ -7889,7 +8295,7 @@
           <a:p>
             <a:r>
               <a:rPr lang="en-US" dirty="0"/>
-              <a:t>Enumeration Constants:</a:t>
+              <a:t>Structures</a:t>
             </a:r>
           </a:p>
         </p:txBody>
@@ -7906,365 +8312,92 @@
         </p:nvSpPr>
         <p:spPr>
           <a:xfrm>
-            <a:off x="444500" y="898432"/>
-            <a:ext cx="9245600" cy="5506121"/>
+            <a:off x="444500" y="1252056"/>
+            <a:ext cx="9245600" cy="5762098"/>
           </a:xfrm>
         </p:spPr>
         <p:txBody>
           <a:bodyPr/>
           <a:lstStyle/>
           <a:p>
-            <a:pPr marL="0" indent="0">
-              <a:buNone/>
-            </a:pPr>
-            <a:endParaRPr lang="en-US" sz="1200" b="1" dirty="0"/>
-          </a:p>
-          <a:p>
-            <a:pPr marL="0" indent="0">
-              <a:buNone/>
-            </a:pPr>
+            <a:r>
+              <a:rPr lang="en-US" b="1" dirty="0"/>
+              <a:t>allow user to define a new type consists of a combination of fundamental data types (</a:t>
+            </a:r>
             <a:r>
               <a:rPr lang="en-US" b="1" dirty="0">
                 <a:solidFill>
                   <a:srgbClr val="C00000"/>
                 </a:solidFill>
               </a:rPr>
-              <a:t>Enumerated </a:t>
+              <a:t>aggregate data type</a:t>
             </a:r>
             <a:r>
               <a:rPr lang="en-US" b="1" dirty="0"/>
-              <a:t>data type: </a:t>
-            </a:r>
-          </a:p>
-          <a:p>
-            <a:r>
-              <a:rPr lang="en-US" b="1" dirty="0"/>
-              <a:t>An enumeration, introduced by the keyword </a:t>
-            </a:r>
-            <a:r>
-              <a:rPr lang="en-US" b="1" dirty="0" err="1"/>
-              <a:t>enum</a:t>
-            </a:r>
-            <a:r>
-              <a:rPr lang="en-US" b="1" dirty="0"/>
-              <a:t>, is a set of integer constants represented by identifiers.</a:t>
-            </a:r>
-          </a:p>
-          <a:p>
-            <a:r>
-              <a:rPr lang="en-US" b="1" dirty="0"/>
-              <a:t>Values in an </a:t>
-            </a:r>
-            <a:r>
-              <a:rPr lang="en-US" b="1" dirty="0" err="1"/>
-              <a:t>enum</a:t>
-            </a:r>
-            <a:r>
-              <a:rPr lang="en-US" b="1" dirty="0"/>
-              <a:t> start with 0, unless specified otherwise, and are incremented by 1.</a:t>
-            </a:r>
-          </a:p>
-          <a:p>
-            <a:pPr marL="0" indent="0" algn="ctr">
-              <a:buNone/>
-            </a:pPr>
-            <a:r>
-              <a:rPr lang="en-US" dirty="0">
-                <a:solidFill>
-                  <a:srgbClr val="C00000"/>
-                </a:solidFill>
-              </a:rPr>
-              <a:t>Syntax: </a:t>
-            </a:r>
-            <a:r>
-              <a:rPr lang="en-US" dirty="0" err="1">
-                <a:solidFill>
-                  <a:srgbClr val="C00000"/>
-                </a:solidFill>
-              </a:rPr>
-              <a:t>enum</a:t>
-            </a:r>
-            <a:r>
-              <a:rPr lang="en-US" dirty="0">
-                <a:solidFill>
-                  <a:srgbClr val="C00000"/>
-                </a:solidFill>
-              </a:rPr>
-              <a:t> [tag] { enumerator-list }</a:t>
-            </a:r>
-            <a:endParaRPr lang="en-US" sz="1000" b="1" u="sng" dirty="0">
-              <a:solidFill>
-                <a:srgbClr val="C00000"/>
-              </a:solidFill>
-            </a:endParaRPr>
-          </a:p>
-          <a:p>
-            <a:pPr marL="0" indent="0">
-              <a:buNone/>
-            </a:pPr>
-            <a:r>
-              <a:rPr lang="en-US" sz="2000" b="1" dirty="0">
-                <a:solidFill>
-                  <a:schemeClr val="tx1"/>
-                </a:solidFill>
-              </a:rPr>
-              <a:t>Example:</a:t>
-            </a:r>
-          </a:p>
-          <a:p>
-            <a:pPr marL="0" indent="0">
-              <a:buNone/>
-            </a:pPr>
-            <a:r>
-              <a:rPr lang="en-US" sz="2000" b="1" dirty="0" err="1">
-                <a:solidFill>
-                  <a:schemeClr val="bg2">
-                    <a:lumMod val="25000"/>
-                  </a:schemeClr>
-                </a:solidFill>
-                <a:ea typeface="Courier" charset="0"/>
-                <a:cs typeface="Courier" charset="0"/>
-              </a:rPr>
-              <a:t>enum</a:t>
-            </a:r>
-            <a:r>
-              <a:rPr lang="en-US" sz="2000" b="1" dirty="0">
-                <a:solidFill>
-                  <a:schemeClr val="bg2">
-                    <a:lumMod val="25000"/>
-                  </a:schemeClr>
-                </a:solidFill>
-                <a:ea typeface="Courier" charset="0"/>
-                <a:cs typeface="Courier" charset="0"/>
-              </a:rPr>
-              <a:t> </a:t>
-            </a:r>
-            <a:r>
-              <a:rPr lang="en-US" sz="2000" b="1" dirty="0">
-                <a:solidFill>
-                  <a:srgbClr val="0070C0"/>
-                </a:solidFill>
-                <a:ea typeface="Courier" charset="0"/>
-                <a:cs typeface="Courier" charset="0"/>
-              </a:rPr>
-              <a:t>Months</a:t>
-            </a:r>
-            <a:r>
-              <a:rPr lang="en-US" sz="2000" b="1" dirty="0">
-                <a:ea typeface="Courier" charset="0"/>
-                <a:cs typeface="Courier" charset="0"/>
-              </a:rPr>
-              <a:t> {JAN, FEB, MAR, APR, MAY, JUN, JUL, AUG, SEP, OCT, NOV, DEC};</a:t>
-            </a:r>
-          </a:p>
-          <a:p>
-            <a:pPr marL="0" indent="0">
-              <a:buNone/>
-            </a:pPr>
-            <a:r>
-              <a:rPr lang="en-US" sz="2000" b="1" dirty="0" err="1">
-                <a:solidFill>
-                  <a:schemeClr val="bg2">
-                    <a:lumMod val="25000"/>
-                  </a:schemeClr>
-                </a:solidFill>
-                <a:ea typeface="Courier" charset="0"/>
-                <a:cs typeface="Courier" charset="0"/>
-              </a:rPr>
-              <a:t>enum</a:t>
-            </a:r>
-            <a:r>
-              <a:rPr lang="en-US" sz="2000" b="1" dirty="0">
-                <a:solidFill>
-                  <a:schemeClr val="bg2">
-                    <a:lumMod val="25000"/>
-                  </a:schemeClr>
-                </a:solidFill>
-                <a:ea typeface="Courier" charset="0"/>
-                <a:cs typeface="Courier" charset="0"/>
-              </a:rPr>
-              <a:t> </a:t>
-            </a:r>
-            <a:r>
-              <a:rPr lang="en-US" sz="2000" b="1" dirty="0">
-                <a:solidFill>
-                  <a:srgbClr val="0070C0"/>
-                </a:solidFill>
-                <a:ea typeface="Courier" charset="0"/>
-                <a:cs typeface="Courier" charset="0"/>
-              </a:rPr>
-              <a:t>Months</a:t>
-            </a:r>
-            <a:r>
-              <a:rPr lang="en-US" sz="2000" b="1" dirty="0">
-                <a:solidFill>
-                  <a:schemeClr val="tx1"/>
-                </a:solidFill>
-                <a:ea typeface="Courier" charset="0"/>
-                <a:cs typeface="Courier" charset="0"/>
-              </a:rPr>
-              <a:t> </a:t>
-            </a:r>
-            <a:r>
-              <a:rPr lang="en-US" sz="2000" b="1" dirty="0" err="1">
-                <a:solidFill>
-                  <a:schemeClr val="accent2">
-                    <a:lumMod val="50000"/>
-                  </a:schemeClr>
-                </a:solidFill>
-                <a:ea typeface="Courier" charset="0"/>
-                <a:cs typeface="Courier" charset="0"/>
-              </a:rPr>
-              <a:t>cur_month</a:t>
-            </a:r>
-            <a:r>
-              <a:rPr lang="en-US" sz="2000" b="1" dirty="0">
-                <a:solidFill>
-                  <a:schemeClr val="tx1"/>
-                </a:solidFill>
-                <a:ea typeface="Courier" charset="0"/>
-                <a:cs typeface="Courier" charset="0"/>
-              </a:rPr>
-              <a:t>;</a:t>
-            </a:r>
-          </a:p>
-          <a:p>
-            <a:pPr marL="0" indent="0">
-              <a:buNone/>
-            </a:pPr>
-            <a:r>
-              <a:rPr lang="en-US" sz="2000" b="1" dirty="0" err="1">
-                <a:ea typeface="Courier" charset="0"/>
-                <a:cs typeface="Courier" charset="0"/>
-              </a:rPr>
-              <a:t>cur_month</a:t>
-            </a:r>
-            <a:r>
-              <a:rPr lang="en-US" sz="2000" b="1" dirty="0">
-                <a:ea typeface="Courier" charset="0"/>
-                <a:cs typeface="Courier" charset="0"/>
-              </a:rPr>
-              <a:t> = MAR; //Here JAN equals 0, FEB equals 1, and so on..</a:t>
-            </a:r>
-          </a:p>
-          <a:p>
-            <a:pPr marL="0" indent="0">
-              <a:buNone/>
-            </a:pPr>
-            <a:r>
-              <a:rPr lang="en-US" sz="2000" b="1" dirty="0">
-                <a:solidFill>
-                  <a:srgbClr val="C00000"/>
-                </a:solidFill>
-                <a:ea typeface="Courier" charset="0"/>
-                <a:cs typeface="Courier" charset="0"/>
-              </a:rPr>
-              <a:t>//what is the value of </a:t>
-            </a:r>
-            <a:r>
-              <a:rPr lang="en-US" sz="2000" b="1" dirty="0" err="1">
-                <a:solidFill>
-                  <a:srgbClr val="C00000"/>
-                </a:solidFill>
-                <a:ea typeface="Courier" charset="0"/>
-                <a:cs typeface="Courier" charset="0"/>
-              </a:rPr>
-              <a:t>cur_month</a:t>
-            </a:r>
-            <a:r>
-              <a:rPr lang="en-US" sz="2000" b="1" dirty="0">
-                <a:solidFill>
-                  <a:srgbClr val="C00000"/>
-                </a:solidFill>
-                <a:ea typeface="Courier" charset="0"/>
-                <a:cs typeface="Courier" charset="0"/>
-              </a:rPr>
-              <a:t>?</a:t>
-            </a:r>
-          </a:p>
-          <a:p>
-            <a:pPr marL="0" indent="0">
-              <a:buNone/>
-            </a:pPr>
-            <a:endParaRPr lang="en-US" sz="2000" b="1" dirty="0">
-              <a:solidFill>
-                <a:srgbClr val="C00000"/>
-              </a:solidFill>
-              <a:ea typeface="Courier" charset="0"/>
-              <a:cs typeface="Courier" charset="0"/>
-            </a:endParaRPr>
-          </a:p>
-          <a:p>
-            <a:pPr marL="0" indent="0">
-              <a:buNone/>
-            </a:pPr>
-            <a:r>
-              <a:rPr lang="en-US" sz="2000" b="1" dirty="0">
-                <a:solidFill>
-                  <a:srgbClr val="C00000"/>
-                </a:solidFill>
-                <a:ea typeface="Courier" charset="0"/>
-                <a:cs typeface="Courier" charset="0"/>
-              </a:rPr>
-              <a:t>//what if we define it this way?</a:t>
-            </a:r>
-          </a:p>
-          <a:p>
-            <a:pPr marL="0" indent="0">
-              <a:buNone/>
-            </a:pPr>
-            <a:r>
-              <a:rPr lang="en-US" sz="2000" b="1" dirty="0" err="1">
-                <a:solidFill>
-                  <a:schemeClr val="bg2">
-                    <a:lumMod val="25000"/>
-                  </a:schemeClr>
-                </a:solidFill>
-                <a:ea typeface="Courier" charset="0"/>
-                <a:cs typeface="Courier" charset="0"/>
-              </a:rPr>
-              <a:t>enum</a:t>
-            </a:r>
-            <a:r>
-              <a:rPr lang="en-US" sz="2000" b="1" dirty="0">
-                <a:solidFill>
-                  <a:srgbClr val="C00000"/>
-                </a:solidFill>
-                <a:ea typeface="Courier" charset="0"/>
-                <a:cs typeface="Courier" charset="0"/>
-              </a:rPr>
-              <a:t> </a:t>
-            </a:r>
-            <a:r>
-              <a:rPr lang="en-US" sz="2000" b="1" dirty="0">
-                <a:solidFill>
-                  <a:srgbClr val="0070C0"/>
-                </a:solidFill>
-                <a:ea typeface="Courier" charset="0"/>
-                <a:cs typeface="Courier" charset="0"/>
-              </a:rPr>
-              <a:t>Months</a:t>
-            </a:r>
-            <a:r>
-              <a:rPr lang="en-US" sz="2000" b="1" dirty="0">
-                <a:ea typeface="Courier" charset="0"/>
-                <a:cs typeface="Courier" charset="0"/>
-              </a:rPr>
-              <a:t> {JAN=1, FEB, MAR, APR, MAY, JUN, JUL, AUG, SEP, OCT, NOV, DEC};</a:t>
-            </a:r>
-          </a:p>
-          <a:p>
-            <a:pPr marL="0" indent="0">
-              <a:buNone/>
-            </a:pPr>
-            <a:endParaRPr lang="en-US" sz="1800" b="1" dirty="0">
-              <a:solidFill>
-                <a:schemeClr val="tx1"/>
-              </a:solidFill>
-              <a:latin typeface="Courier" charset="0"/>
-              <a:ea typeface="Courier" charset="0"/>
-              <a:cs typeface="Courier" charset="0"/>
-            </a:endParaRPr>
+              <a:t>)</a:t>
+            </a:r>
+          </a:p>
+          <a:p>
+            <a:pPr marL="0" indent="0">
+              <a:buNone/>
+            </a:pPr>
+            <a:endParaRPr lang="en-US" b="1" dirty="0"/>
+          </a:p>
+          <a:p>
+            <a:pPr lvl="0"/>
+            <a:r>
+              <a:rPr lang="en-US" sz="2400" dirty="0"/>
+              <a:t>Example: a repository of students and their grades in this class</a:t>
+            </a:r>
+          </a:p>
+          <a:p>
+            <a:pPr lvl="2"/>
+            <a:r>
+              <a:rPr lang="en-US" sz="2400" dirty="0"/>
+              <a:t>Name, can be captured as an array of chars (string):             char name[100];</a:t>
+            </a:r>
+          </a:p>
+          <a:p>
+            <a:pPr lvl="2"/>
+            <a:r>
+              <a:rPr lang="en-US" sz="2400" dirty="0"/>
+              <a:t>Student ID, can be stored as an int:  int ID;</a:t>
+            </a:r>
+          </a:p>
+          <a:p>
+            <a:pPr lvl="2"/>
+            <a:r>
+              <a:rPr lang="en-US" sz="2400" dirty="0"/>
+              <a:t>Grade for the class, can be stored as a float: float GPA;</a:t>
+            </a:r>
+          </a:p>
+          <a:p>
+            <a:pPr lvl="2"/>
+            <a:r>
+              <a:rPr lang="en-US" sz="2400" dirty="0"/>
+              <a:t>There may be many other characteristics that we would want to capture..</a:t>
+            </a:r>
+          </a:p>
+          <a:p>
+            <a:pPr marL="1018825" lvl="2" indent="0">
+              <a:buNone/>
+            </a:pPr>
+            <a:endParaRPr lang="en-US" sz="2400" dirty="0"/>
+          </a:p>
+          <a:p>
+            <a:pPr marL="1018825" lvl="2" indent="0">
+              <a:buNone/>
+            </a:pPr>
+            <a:r>
+              <a:rPr lang="en-US" sz="2400" dirty="0"/>
+              <a:t>How do we capture them?</a:t>
+            </a:r>
+          </a:p>
+          <a:p>
+            <a:pPr marL="0" indent="0">
+              <a:buNone/>
+            </a:pPr>
+            <a:endParaRPr lang="en-US" sz="1200" dirty="0"/>
           </a:p>
         </p:txBody>
       </p:sp>
@@ -8292,289 +8425,6 @@
           <a:p>
             <a:r>
               <a:rPr lang="en-US" dirty="0"/>
-              <a:t>3</a:t>
-            </a:r>
-          </a:p>
-        </p:txBody>
-      </p:sp>
-    </p:spTree>
-    <p:extLst>
-      <p:ext uri="{BB962C8B-B14F-4D97-AF65-F5344CB8AC3E}">
-        <p14:creationId xmlns:p14="http://schemas.microsoft.com/office/powerpoint/2010/main" val="1213778389"/>
-      </p:ext>
-    </p:extLst>
-  </p:cSld>
-  <p:clrMapOvr>
-    <a:masterClrMapping/>
-  </p:clrMapOvr>
-</p:sld>
-</file>
-
-<file path=ppt/slides/slide5.xml><?xml version="1.0" encoding="utf-8"?>
-<p:sld xmlns:a="http://schemas.openxmlformats.org/drawingml/2006/main" xmlns:r="http://schemas.openxmlformats.org/officeDocument/2006/relationships" xmlns:p="http://schemas.openxmlformats.org/presentationml/2006/main">
-  <p:cSld>
-    <p:spTree>
-      <p:nvGrpSpPr>
-        <p:cNvPr id="1" name=""/>
-        <p:cNvGrpSpPr/>
-        <p:nvPr/>
-      </p:nvGrpSpPr>
-      <p:grpSpPr>
-        <a:xfrm>
-          <a:off x="0" y="0"/>
-          <a:ext cx="0" cy="0"/>
-          <a:chOff x="0" y="0"/>
-          <a:chExt cx="0" cy="0"/>
-        </a:xfrm>
-      </p:grpSpPr>
-      <p:sp>
-        <p:nvSpPr>
-          <p:cNvPr id="2" name="Text Placeholder 1">
-            <a:extLst>
-              <a:ext uri="{FF2B5EF4-FFF2-40B4-BE49-F238E27FC236}">
-                <a16:creationId xmlns:a16="http://schemas.microsoft.com/office/drawing/2014/main" id="{49DDF104-FECA-434D-B08A-456D64FF1768}"/>
-              </a:ext>
-            </a:extLst>
-          </p:cNvPr>
-          <p:cNvSpPr>
-            <a:spLocks noGrp="1"/>
-          </p:cNvSpPr>
-          <p:nvPr>
-            <p:ph type="body" sz="quarter" idx="10"/>
-          </p:nvPr>
-        </p:nvSpPr>
-        <p:spPr/>
-        <p:txBody>
-          <a:bodyPr/>
-          <a:lstStyle/>
-          <a:p>
-            <a:r>
-              <a:rPr lang="en-US" dirty="0"/>
-              <a:t>Another Example (</a:t>
-            </a:r>
-            <a:r>
-              <a:rPr lang="en-US" dirty="0" err="1"/>
-              <a:t>enum</a:t>
-            </a:r>
-            <a:r>
-              <a:rPr lang="en-US" dirty="0"/>
-              <a:t>):</a:t>
-            </a:r>
-          </a:p>
-        </p:txBody>
-      </p:sp>
-      <p:pic>
-        <p:nvPicPr>
-          <p:cNvPr id="5" name="Picture 4">
-            <a:extLst>
-              <a:ext uri="{FF2B5EF4-FFF2-40B4-BE49-F238E27FC236}">
-                <a16:creationId xmlns:a16="http://schemas.microsoft.com/office/drawing/2014/main" id="{277E7189-61BB-4833-974C-329FE56A3EB2}"/>
-              </a:ext>
-            </a:extLst>
-          </p:cNvPr>
-          <p:cNvPicPr>
-            <a:picLocks noChangeAspect="1"/>
-          </p:cNvPicPr>
-          <p:nvPr/>
-        </p:nvPicPr>
-        <p:blipFill>
-          <a:blip r:embed="rId2"/>
-          <a:stretch>
-            <a:fillRect/>
-          </a:stretch>
-        </p:blipFill>
-        <p:spPr>
-          <a:xfrm>
-            <a:off x="366279" y="1453428"/>
-            <a:ext cx="9048750" cy="5419725"/>
-          </a:xfrm>
-          <a:prstGeom prst="rect">
-            <a:avLst/>
-          </a:prstGeom>
-        </p:spPr>
-      </p:pic>
-    </p:spTree>
-    <p:extLst>
-      <p:ext uri="{BB962C8B-B14F-4D97-AF65-F5344CB8AC3E}">
-        <p14:creationId xmlns:p14="http://schemas.microsoft.com/office/powerpoint/2010/main" val="4041942993"/>
-      </p:ext>
-    </p:extLst>
-  </p:cSld>
-  <p:clrMapOvr>
-    <a:masterClrMapping/>
-  </p:clrMapOvr>
-</p:sld>
-</file>
-
-<file path=ppt/slides/slide6.xml><?xml version="1.0" encoding="utf-8"?>
-<p:sld xmlns:a="http://schemas.openxmlformats.org/drawingml/2006/main" xmlns:r="http://schemas.openxmlformats.org/officeDocument/2006/relationships" xmlns:p="http://schemas.openxmlformats.org/presentationml/2006/main">
-  <p:cSld>
-    <p:spTree>
-      <p:nvGrpSpPr>
-        <p:cNvPr id="1" name=""/>
-        <p:cNvGrpSpPr/>
-        <p:nvPr/>
-      </p:nvGrpSpPr>
-      <p:grpSpPr>
-        <a:xfrm>
-          <a:off x="0" y="0"/>
-          <a:ext cx="0" cy="0"/>
-          <a:chOff x="0" y="0"/>
-          <a:chExt cx="0" cy="0"/>
-        </a:xfrm>
-      </p:grpSpPr>
-      <p:sp>
-        <p:nvSpPr>
-          <p:cNvPr id="2" name="Text Placeholder 1"/>
-          <p:cNvSpPr>
-            <a:spLocks noGrp="1"/>
-          </p:cNvSpPr>
-          <p:nvPr>
-            <p:ph type="body" sz="quarter" idx="10"/>
-          </p:nvPr>
-        </p:nvSpPr>
-        <p:spPr>
-          <a:xfrm>
-            <a:off x="444500" y="386771"/>
-            <a:ext cx="9245600" cy="742950"/>
-          </a:xfrm>
-        </p:spPr>
-        <p:txBody>
-          <a:bodyPr/>
-          <a:lstStyle/>
-          <a:p>
-            <a:r>
-              <a:rPr lang="en-US" dirty="0"/>
-              <a:t>Structures</a:t>
-            </a:r>
-          </a:p>
-        </p:txBody>
-      </p:sp>
-      <p:sp>
-        <p:nvSpPr>
-          <p:cNvPr id="3" name="Text Placeholder 2"/>
-          <p:cNvSpPr>
-            <a:spLocks noGrp="1"/>
-          </p:cNvSpPr>
-          <p:nvPr>
-            <p:ph type="body" sz="quarter" idx="12"/>
-          </p:nvPr>
-        </p:nvSpPr>
-        <p:spPr>
-          <a:xfrm>
-            <a:off x="444500" y="1252056"/>
-            <a:ext cx="9245600" cy="5762098"/>
-          </a:xfrm>
-        </p:spPr>
-        <p:txBody>
-          <a:bodyPr/>
-          <a:lstStyle/>
-          <a:p>
-            <a:r>
-              <a:rPr lang="en-US" b="1" dirty="0"/>
-              <a:t>allow user to define a new type consists of a combination of fundamental data types (</a:t>
-            </a:r>
-            <a:r>
-              <a:rPr lang="en-US" b="1" dirty="0">
-                <a:solidFill>
-                  <a:srgbClr val="C00000"/>
-                </a:solidFill>
-              </a:rPr>
-              <a:t>aggregate data type</a:t>
-            </a:r>
-            <a:r>
-              <a:rPr lang="en-US" b="1" dirty="0"/>
-              <a:t>)</a:t>
-            </a:r>
-          </a:p>
-          <a:p>
-            <a:pPr marL="0" indent="0">
-              <a:buNone/>
-            </a:pPr>
-            <a:endParaRPr lang="en-US" b="1" dirty="0"/>
-          </a:p>
-          <a:p>
-            <a:pPr lvl="0"/>
-            <a:r>
-              <a:rPr lang="en-US" sz="2400" dirty="0"/>
-              <a:t>Example: a repository of students and their grades in this class</a:t>
-            </a:r>
-          </a:p>
-          <a:p>
-            <a:pPr lvl="2"/>
-            <a:r>
-              <a:rPr lang="en-US" sz="2400" dirty="0"/>
-              <a:t>Name, can be captured as an array of chars (string):             char name[100];</a:t>
-            </a:r>
-          </a:p>
-          <a:p>
-            <a:pPr lvl="2"/>
-            <a:r>
-              <a:rPr lang="en-US" sz="2400" dirty="0"/>
-              <a:t>Student ID, can be stored as an int:  int ID;</a:t>
-            </a:r>
-          </a:p>
-          <a:p>
-            <a:pPr lvl="2"/>
-            <a:r>
-              <a:rPr lang="en-US" sz="2400" dirty="0"/>
-              <a:t>Grade for the class, can be stored as a float: float GPA;</a:t>
-            </a:r>
-          </a:p>
-          <a:p>
-            <a:pPr lvl="2"/>
-            <a:r>
-              <a:rPr lang="en-US" sz="2400" dirty="0"/>
-              <a:t>There may be many other characteristics that we would want to capture..</a:t>
-            </a:r>
-          </a:p>
-          <a:p>
-            <a:pPr marL="1018825" lvl="2" indent="0">
-              <a:buNone/>
-            </a:pPr>
-            <a:endParaRPr lang="en-US" sz="2400" dirty="0"/>
-          </a:p>
-          <a:p>
-            <a:pPr marL="1018825" lvl="2" indent="0">
-              <a:buNone/>
-            </a:pPr>
-            <a:r>
-              <a:rPr lang="en-US" sz="2400" dirty="0"/>
-              <a:t>How do we capture them?</a:t>
-            </a:r>
-          </a:p>
-          <a:p>
-            <a:pPr marL="0" indent="0">
-              <a:buNone/>
-            </a:pPr>
-            <a:endParaRPr lang="en-US" sz="1200" dirty="0"/>
-          </a:p>
-        </p:txBody>
-      </p:sp>
-      <p:sp>
-        <p:nvSpPr>
-          <p:cNvPr id="4" name="TextBox 3"/>
-          <p:cNvSpPr txBox="1"/>
-          <p:nvPr/>
-        </p:nvSpPr>
-        <p:spPr>
-          <a:xfrm>
-            <a:off x="9647865" y="6614044"/>
-            <a:ext cx="314510" cy="400110"/>
-          </a:xfrm>
-          <a:prstGeom prst="rect">
-            <a:avLst/>
-          </a:prstGeom>
-          <a:noFill/>
-        </p:spPr>
-        <p:txBody>
-          <a:bodyPr wrap="none" rtlCol="0">
-            <a:spAutoFit/>
-          </a:bodyPr>
-          <a:lstStyle/>
-          <a:p>
-            <a:r>
-              <a:rPr lang="en-US" dirty="0"/>
               <a:t>4</a:t>
             </a:r>
           </a:p>
@@ -8593,7 +8443,7 @@
 </p:sld>
 </file>
 
-<file path=ppt/slides/slide7.xml><?xml version="1.0" encoding="utf-8"?>
+<file path=ppt/slides/slide5.xml><?xml version="1.0" encoding="utf-8"?>
 <p:sld xmlns:a="http://schemas.openxmlformats.org/drawingml/2006/main" xmlns:r="http://schemas.openxmlformats.org/officeDocument/2006/relationships" xmlns:p="http://schemas.openxmlformats.org/presentationml/2006/main">
   <p:cSld>
     <p:spTree>
@@ -9266,7 +9116,7 @@
 </p:sld>
 </file>
 
-<file path=ppt/slides/slide8.xml><?xml version="1.0" encoding="utf-8"?>
+<file path=ppt/slides/slide6.xml><?xml version="1.0" encoding="utf-8"?>
 <p:sld xmlns:a="http://schemas.openxmlformats.org/drawingml/2006/main" xmlns:r="http://schemas.openxmlformats.org/officeDocument/2006/relationships" xmlns:p="http://schemas.openxmlformats.org/presentationml/2006/main">
   <p:cSld>
     <p:spTree>
@@ -10218,7 +10068,7 @@
 </p:sld>
 </file>
 
-<file path=ppt/slides/slide9.xml><?xml version="1.0" encoding="utf-8"?>
+<file path=ppt/slides/slide7.xml><?xml version="1.0" encoding="utf-8"?>
 <p:sld xmlns:a="http://schemas.openxmlformats.org/drawingml/2006/main" xmlns:r="http://schemas.openxmlformats.org/officeDocument/2006/relationships" xmlns:p="http://schemas.openxmlformats.org/presentationml/2006/main">
   <p:cSld>
     <p:spTree>
@@ -10725,6 +10575,1249 @@
     <p:extLst>
       <p:ext uri="{BB962C8B-B14F-4D97-AF65-F5344CB8AC3E}">
         <p14:creationId xmlns:p14="http://schemas.microsoft.com/office/powerpoint/2010/main" val="2529744306"/>
+      </p:ext>
+    </p:extLst>
+  </p:cSld>
+  <p:clrMapOvr>
+    <a:masterClrMapping/>
+  </p:clrMapOvr>
+</p:sld>
+</file>
+
+<file path=ppt/slides/slide8.xml><?xml version="1.0" encoding="utf-8"?>
+<p:sld xmlns:a="http://schemas.openxmlformats.org/drawingml/2006/main" xmlns:r="http://schemas.openxmlformats.org/officeDocument/2006/relationships" xmlns:p="http://schemas.openxmlformats.org/presentationml/2006/main">
+  <p:cSld>
+    <p:spTree>
+      <p:nvGrpSpPr>
+        <p:cNvPr id="1" name=""/>
+        <p:cNvGrpSpPr/>
+        <p:nvPr/>
+      </p:nvGrpSpPr>
+      <p:grpSpPr>
+        <a:xfrm>
+          <a:off x="0" y="0"/>
+          <a:ext cx="0" cy="0"/>
+          <a:chOff x="0" y="0"/>
+          <a:chExt cx="0" cy="0"/>
+        </a:xfrm>
+      </p:grpSpPr>
+      <p:sp>
+        <p:nvSpPr>
+          <p:cNvPr id="2" name="Text Placeholder 1"/>
+          <p:cNvSpPr>
+            <a:spLocks noGrp="1"/>
+          </p:cNvSpPr>
+          <p:nvPr>
+            <p:ph type="body" sz="quarter" idx="10"/>
+          </p:nvPr>
+        </p:nvSpPr>
+        <p:spPr>
+          <a:xfrm>
+            <a:off x="196306" y="136851"/>
+            <a:ext cx="9245600" cy="742950"/>
+          </a:xfrm>
+        </p:spPr>
+        <p:txBody>
+          <a:bodyPr/>
+          <a:lstStyle/>
+          <a:p>
+            <a:r>
+              <a:rPr lang="en-US" dirty="0"/>
+              <a:t>Structures (run-time stack)</a:t>
+            </a:r>
+          </a:p>
+        </p:txBody>
+      </p:sp>
+      <p:sp>
+        <p:nvSpPr>
+          <p:cNvPr id="3" name="Text Placeholder 2"/>
+          <p:cNvSpPr>
+            <a:spLocks noGrp="1"/>
+          </p:cNvSpPr>
+          <p:nvPr>
+            <p:ph type="body" sz="quarter" idx="12"/>
+          </p:nvPr>
+        </p:nvSpPr>
+        <p:spPr>
+          <a:xfrm>
+            <a:off x="444500" y="788960"/>
+            <a:ext cx="9245600" cy="6225193"/>
+          </a:xfrm>
+        </p:spPr>
+        <p:txBody>
+          <a:bodyPr/>
+          <a:lstStyle/>
+          <a:p>
+            <a:pPr marL="0" indent="0">
+              <a:buNone/>
+            </a:pPr>
+            <a:r>
+              <a:rPr lang="en-US" sz="1800" b="1" dirty="0" err="1" smtClean="0">
+                <a:latin typeface="Courier" charset="0"/>
+                <a:ea typeface="Courier" charset="0"/>
+                <a:cs typeface="Courier" charset="0"/>
+              </a:rPr>
+              <a:t>struct</a:t>
+            </a:r>
+            <a:r>
+              <a:rPr lang="en-US" sz="1800" b="1" dirty="0" smtClean="0">
+                <a:latin typeface="Courier" charset="0"/>
+                <a:ea typeface="Courier" charset="0"/>
+                <a:cs typeface="Courier" charset="0"/>
+              </a:rPr>
+              <a:t> </a:t>
+            </a:r>
+            <a:r>
+              <a:rPr lang="en-US" sz="1800" b="1" dirty="0" err="1">
+                <a:latin typeface="Courier" charset="0"/>
+                <a:ea typeface="Courier" charset="0"/>
+                <a:cs typeface="Courier" charset="0"/>
+              </a:rPr>
+              <a:t>StudentStruct</a:t>
+            </a:r>
+            <a:endParaRPr lang="en-US" sz="1800" b="1" dirty="0">
+              <a:latin typeface="Courier" charset="0"/>
+              <a:ea typeface="Courier" charset="0"/>
+              <a:cs typeface="Courier" charset="0"/>
+            </a:endParaRPr>
+          </a:p>
+          <a:p>
+            <a:pPr marL="0" indent="0">
+              <a:buNone/>
+            </a:pPr>
+            <a:r>
+              <a:rPr lang="en-US" sz="1800" b="1" dirty="0">
+                <a:latin typeface="Courier" charset="0"/>
+                <a:ea typeface="Courier" charset="0"/>
+                <a:cs typeface="Courier" charset="0"/>
+              </a:rPr>
+              <a:t>{</a:t>
+            </a:r>
+          </a:p>
+          <a:p>
+            <a:pPr marL="0" indent="0">
+              <a:buNone/>
+            </a:pPr>
+            <a:r>
+              <a:rPr lang="en-US" sz="1800" b="1" dirty="0">
+                <a:latin typeface="Courier" charset="0"/>
+                <a:ea typeface="Courier" charset="0"/>
+                <a:cs typeface="Courier" charset="0"/>
+              </a:rPr>
+              <a:t>	char Name[20];</a:t>
+            </a:r>
+          </a:p>
+          <a:p>
+            <a:pPr marL="0" indent="0">
+              <a:buNone/>
+            </a:pPr>
+            <a:r>
+              <a:rPr lang="en-US" sz="1800" b="1" dirty="0">
+                <a:latin typeface="Courier" charset="0"/>
+                <a:ea typeface="Courier" charset="0"/>
+                <a:cs typeface="Courier" charset="0"/>
+              </a:rPr>
+              <a:t>	</a:t>
+            </a:r>
+            <a:r>
+              <a:rPr lang="en-US" sz="1800" b="1" dirty="0" err="1">
+                <a:latin typeface="Courier" charset="0"/>
+                <a:ea typeface="Courier" charset="0"/>
+                <a:cs typeface="Courier" charset="0"/>
+              </a:rPr>
+              <a:t>int</a:t>
+            </a:r>
+            <a:r>
+              <a:rPr lang="en-US" sz="1800" b="1" dirty="0">
+                <a:latin typeface="Courier" charset="0"/>
+                <a:ea typeface="Courier" charset="0"/>
+                <a:cs typeface="Courier" charset="0"/>
+              </a:rPr>
+              <a:t> UIN;</a:t>
+            </a:r>
+          </a:p>
+          <a:p>
+            <a:pPr marL="0" indent="0">
+              <a:buNone/>
+            </a:pPr>
+            <a:r>
+              <a:rPr lang="en-US" sz="1800" b="1" dirty="0">
+                <a:latin typeface="Courier" charset="0"/>
+                <a:ea typeface="Courier" charset="0"/>
+                <a:cs typeface="Courier" charset="0"/>
+              </a:rPr>
+              <a:t>	float GPA;</a:t>
+            </a:r>
+          </a:p>
+          <a:p>
+            <a:pPr marL="0" indent="0">
+              <a:buNone/>
+            </a:pPr>
+            <a:r>
+              <a:rPr lang="en-US" sz="1800" b="1" dirty="0">
+                <a:latin typeface="Courier" charset="0"/>
+                <a:ea typeface="Courier" charset="0"/>
+                <a:cs typeface="Courier" charset="0"/>
+              </a:rPr>
+              <a:t>};</a:t>
+            </a:r>
+          </a:p>
+          <a:p>
+            <a:pPr marL="0" indent="0">
+              <a:buNone/>
+            </a:pPr>
+            <a:endParaRPr lang="en-US" sz="1800" b="1" dirty="0" smtClean="0">
+              <a:solidFill>
+                <a:schemeClr val="bg2">
+                  <a:lumMod val="25000"/>
+                </a:schemeClr>
+              </a:solidFill>
+              <a:latin typeface="Courier" charset="0"/>
+              <a:ea typeface="Courier" charset="0"/>
+              <a:cs typeface="Courier" charset="0"/>
+            </a:endParaRPr>
+          </a:p>
+          <a:p>
+            <a:pPr marL="0" indent="0">
+              <a:buNone/>
+            </a:pPr>
+            <a:r>
+              <a:rPr lang="en-US" sz="1800" b="1" dirty="0" err="1" smtClean="0">
+                <a:latin typeface="Courier" charset="0"/>
+                <a:ea typeface="Courier" charset="0"/>
+                <a:cs typeface="Courier" charset="0"/>
+              </a:rPr>
+              <a:t>int</a:t>
+            </a:r>
+            <a:r>
+              <a:rPr lang="en-US" sz="1800" b="1" dirty="0" smtClean="0">
+                <a:latin typeface="Courier" charset="0"/>
+                <a:ea typeface="Courier" charset="0"/>
+                <a:cs typeface="Courier" charset="0"/>
+              </a:rPr>
+              <a:t> main()</a:t>
+            </a:r>
+          </a:p>
+          <a:p>
+            <a:pPr marL="0" indent="0">
+              <a:buNone/>
+            </a:pPr>
+            <a:r>
+              <a:rPr lang="en-US" sz="1800" b="1" dirty="0">
+                <a:latin typeface="Courier" charset="0"/>
+                <a:ea typeface="Courier" charset="0"/>
+                <a:cs typeface="Courier" charset="0"/>
+              </a:rPr>
+              <a:t>{</a:t>
+            </a:r>
+            <a:endParaRPr lang="en-US" sz="1800" b="1" dirty="0" smtClean="0">
+              <a:latin typeface="Courier" charset="0"/>
+              <a:ea typeface="Courier" charset="0"/>
+              <a:cs typeface="Courier" charset="0"/>
+            </a:endParaRPr>
+          </a:p>
+          <a:p>
+            <a:pPr marL="0" indent="0">
+              <a:buNone/>
+            </a:pPr>
+            <a:r>
+              <a:rPr lang="en-US" sz="1800" b="1" dirty="0" err="1">
+                <a:latin typeface="Courier" charset="0"/>
+                <a:ea typeface="Courier" charset="0"/>
+                <a:cs typeface="Courier" charset="0"/>
+              </a:rPr>
+              <a:t>i</a:t>
+            </a:r>
+            <a:r>
+              <a:rPr lang="en-US" sz="1800" b="1" dirty="0" err="1" smtClean="0">
+                <a:latin typeface="Courier" charset="0"/>
+                <a:ea typeface="Courier" charset="0"/>
+                <a:cs typeface="Courier" charset="0"/>
+              </a:rPr>
+              <a:t>nt</a:t>
+            </a:r>
+            <a:r>
+              <a:rPr lang="en-US" sz="1800" b="1" dirty="0" smtClean="0">
+                <a:latin typeface="Courier" charset="0"/>
+                <a:ea typeface="Courier" charset="0"/>
+                <a:cs typeface="Courier" charset="0"/>
+              </a:rPr>
+              <a:t> x;</a:t>
+            </a:r>
+          </a:p>
+          <a:p>
+            <a:pPr marL="0" indent="0">
+              <a:buNone/>
+            </a:pPr>
+            <a:r>
+              <a:rPr lang="en-US" sz="1800" b="1" dirty="0" err="1">
+                <a:solidFill>
+                  <a:schemeClr val="bg2">
+                    <a:lumMod val="25000"/>
+                  </a:schemeClr>
+                </a:solidFill>
+                <a:latin typeface="Courier" charset="0"/>
+                <a:ea typeface="Courier" charset="0"/>
+                <a:cs typeface="Courier" charset="0"/>
+              </a:rPr>
+              <a:t>struct</a:t>
+            </a:r>
+            <a:r>
+              <a:rPr lang="en-US" sz="1800" b="1" dirty="0">
+                <a:latin typeface="Courier" charset="0"/>
+                <a:ea typeface="Courier" charset="0"/>
+                <a:cs typeface="Courier" charset="0"/>
+              </a:rPr>
+              <a:t> </a:t>
+            </a:r>
+            <a:r>
+              <a:rPr lang="en-US" sz="1800" b="1" dirty="0" err="1">
+                <a:solidFill>
+                  <a:srgbClr val="0070C0"/>
+                </a:solidFill>
+                <a:latin typeface="Courier" charset="0"/>
+                <a:ea typeface="Courier" charset="0"/>
+                <a:cs typeface="Courier" charset="0"/>
+              </a:rPr>
+              <a:t>StudentStruct</a:t>
+            </a:r>
+            <a:r>
+              <a:rPr lang="en-US" sz="1800" b="1" dirty="0">
+                <a:latin typeface="Courier" charset="0"/>
+                <a:ea typeface="Courier" charset="0"/>
+                <a:cs typeface="Courier" charset="0"/>
+              </a:rPr>
+              <a:t> </a:t>
+            </a:r>
+            <a:r>
+              <a:rPr lang="en-US" sz="1800" b="1" dirty="0">
+                <a:solidFill>
+                  <a:schemeClr val="accent2">
+                    <a:lumMod val="50000"/>
+                  </a:schemeClr>
+                </a:solidFill>
+                <a:latin typeface="Courier" charset="0"/>
+                <a:ea typeface="Courier" charset="0"/>
+                <a:cs typeface="Courier" charset="0"/>
+              </a:rPr>
+              <a:t>student</a:t>
+            </a:r>
+            <a:r>
+              <a:rPr lang="en-US" sz="1800" b="1" dirty="0">
+                <a:latin typeface="Courier" charset="0"/>
+                <a:ea typeface="Courier" charset="0"/>
+                <a:cs typeface="Courier" charset="0"/>
+              </a:rPr>
+              <a:t>;</a:t>
+            </a:r>
+          </a:p>
+          <a:p>
+            <a:pPr marL="0" indent="0">
+              <a:buNone/>
+            </a:pPr>
+            <a:r>
+              <a:rPr lang="en-US" sz="1800" b="1" dirty="0" err="1" smtClean="0">
+                <a:latin typeface="Courier" charset="0"/>
+                <a:ea typeface="Courier" charset="0"/>
+                <a:cs typeface="Courier" charset="0"/>
+              </a:rPr>
+              <a:t>int</a:t>
+            </a:r>
+            <a:r>
+              <a:rPr lang="en-US" sz="1800" b="1" dirty="0" smtClean="0">
+                <a:latin typeface="Courier" charset="0"/>
+                <a:ea typeface="Courier" charset="0"/>
+                <a:cs typeface="Courier" charset="0"/>
+              </a:rPr>
+              <a:t> y;</a:t>
+            </a:r>
+          </a:p>
+          <a:p>
+            <a:pPr marL="0" indent="0">
+              <a:buNone/>
+            </a:pPr>
+            <a:endParaRPr lang="en-US" sz="1800" b="1" dirty="0">
+              <a:latin typeface="Courier" charset="0"/>
+              <a:ea typeface="Courier" charset="0"/>
+              <a:cs typeface="Courier" charset="0"/>
+            </a:endParaRPr>
+          </a:p>
+          <a:p>
+            <a:pPr marL="0" indent="0">
+              <a:buNone/>
+            </a:pPr>
+            <a:r>
+              <a:rPr lang="en-US" sz="1800" b="1" dirty="0" err="1">
+                <a:solidFill>
+                  <a:schemeClr val="tx1"/>
+                </a:solidFill>
+                <a:latin typeface="Courier" charset="0"/>
+                <a:ea typeface="Courier" charset="0"/>
+                <a:cs typeface="Courier" charset="0"/>
+              </a:rPr>
+              <a:t>s</a:t>
+            </a:r>
+            <a:r>
+              <a:rPr lang="en-US" sz="1800" b="1" dirty="0" err="1" smtClean="0">
+                <a:solidFill>
+                  <a:schemeClr val="tx1"/>
+                </a:solidFill>
+                <a:latin typeface="Courier" charset="0"/>
+                <a:ea typeface="Courier" charset="0"/>
+                <a:cs typeface="Courier" charset="0"/>
+              </a:rPr>
+              <a:t>tudent.UIN</a:t>
+            </a:r>
+            <a:r>
+              <a:rPr lang="en-US" sz="1800" b="1" dirty="0" smtClean="0">
+                <a:solidFill>
+                  <a:schemeClr val="tx1"/>
+                </a:solidFill>
+                <a:latin typeface="Courier" charset="0"/>
+                <a:ea typeface="Courier" charset="0"/>
+                <a:cs typeface="Courier" charset="0"/>
+              </a:rPr>
+              <a:t>=0;</a:t>
+            </a:r>
+          </a:p>
+          <a:p>
+            <a:pPr marL="0" indent="0">
+              <a:buNone/>
+            </a:pPr>
+            <a:endParaRPr lang="en-US" sz="1800" b="1" dirty="0">
+              <a:latin typeface="Courier" charset="0"/>
+              <a:ea typeface="Courier" charset="0"/>
+              <a:cs typeface="Courier" charset="0"/>
+            </a:endParaRPr>
+          </a:p>
+          <a:p>
+            <a:pPr marL="0" indent="0">
+              <a:buNone/>
+            </a:pPr>
+            <a:r>
+              <a:rPr lang="en-US" sz="1800" b="1" dirty="0" smtClean="0">
+                <a:latin typeface="Courier" charset="0"/>
+                <a:ea typeface="Courier" charset="0"/>
+                <a:cs typeface="Courier" charset="0"/>
+              </a:rPr>
+              <a:t>}</a:t>
+            </a:r>
+          </a:p>
+        </p:txBody>
+      </p:sp>
+      <p:sp>
+        <p:nvSpPr>
+          <p:cNvPr id="4" name="TextBox 3"/>
+          <p:cNvSpPr txBox="1"/>
+          <p:nvPr/>
+        </p:nvSpPr>
+        <p:spPr>
+          <a:xfrm>
+            <a:off x="9647865" y="6614044"/>
+            <a:ext cx="314510" cy="400110"/>
+          </a:xfrm>
+          <a:prstGeom prst="rect">
+            <a:avLst/>
+          </a:prstGeom>
+          <a:noFill/>
+        </p:spPr>
+        <p:txBody>
+          <a:bodyPr wrap="none" rtlCol="0">
+            <a:spAutoFit/>
+          </a:bodyPr>
+          <a:lstStyle/>
+          <a:p>
+            <a:r>
+              <a:rPr lang="en-US" dirty="0"/>
+              <a:t>4</a:t>
+            </a:r>
+          </a:p>
+        </p:txBody>
+      </p:sp>
+      <p:pic>
+        <p:nvPicPr>
+          <p:cNvPr id="6" name="Picture 5">
+            <a:extLst>
+              <a:ext uri="{FF2B5EF4-FFF2-40B4-BE49-F238E27FC236}">
+                <a16:creationId xmlns:a16="http://schemas.microsoft.com/office/drawing/2014/main" id="{2D4E3E41-ACD8-4CA9-99DC-C20B729E2810}"/>
+              </a:ext>
+            </a:extLst>
+          </p:cNvPr>
+          <p:cNvPicPr>
+            <a:picLocks noChangeAspect="1"/>
+          </p:cNvPicPr>
+          <p:nvPr/>
+        </p:nvPicPr>
+        <p:blipFill>
+          <a:blip r:embed="rId2"/>
+          <a:stretch>
+            <a:fillRect/>
+          </a:stretch>
+        </p:blipFill>
+        <p:spPr>
+          <a:xfrm>
+            <a:off x="7253751" y="48985"/>
+            <a:ext cx="2188155" cy="4290740"/>
+          </a:xfrm>
+          <a:prstGeom prst="rect">
+            <a:avLst/>
+          </a:prstGeom>
+        </p:spPr>
+      </p:pic>
+      <p:sp>
+        <p:nvSpPr>
+          <p:cNvPr id="8" name="TextBox 7"/>
+          <p:cNvSpPr txBox="1"/>
+          <p:nvPr/>
+        </p:nvSpPr>
+        <p:spPr>
+          <a:xfrm>
+            <a:off x="7696202" y="3869871"/>
+            <a:ext cx="1540328" cy="400110"/>
+          </a:xfrm>
+          <a:prstGeom prst="rect">
+            <a:avLst/>
+          </a:prstGeom>
+          <a:noFill/>
+        </p:spPr>
+        <p:txBody>
+          <a:bodyPr wrap="square" rtlCol="0">
+            <a:spAutoFit/>
+          </a:bodyPr>
+          <a:lstStyle/>
+          <a:p>
+            <a:r>
+              <a:rPr lang="en-US" b="1" dirty="0" smtClean="0">
+                <a:solidFill>
+                  <a:srgbClr val="FF0000"/>
+                </a:solidFill>
+              </a:rPr>
+              <a:t>         x</a:t>
+            </a:r>
+            <a:endParaRPr lang="en-US" b="1" dirty="0">
+              <a:solidFill>
+                <a:srgbClr val="FF0000"/>
+              </a:solidFill>
+            </a:endParaRPr>
+          </a:p>
+        </p:txBody>
+      </p:sp>
+      <p:sp>
+        <p:nvSpPr>
+          <p:cNvPr id="9" name="TextBox 8"/>
+          <p:cNvSpPr txBox="1"/>
+          <p:nvPr/>
+        </p:nvSpPr>
+        <p:spPr>
+          <a:xfrm>
+            <a:off x="7696202" y="388850"/>
+            <a:ext cx="1540328" cy="400110"/>
+          </a:xfrm>
+          <a:prstGeom prst="rect">
+            <a:avLst/>
+          </a:prstGeom>
+          <a:noFill/>
+        </p:spPr>
+        <p:txBody>
+          <a:bodyPr wrap="square" rtlCol="0">
+            <a:spAutoFit/>
+          </a:bodyPr>
+          <a:lstStyle/>
+          <a:p>
+            <a:r>
+              <a:rPr lang="en-US" dirty="0" smtClean="0">
+                <a:solidFill>
+                  <a:srgbClr val="FF0000"/>
+                </a:solidFill>
+              </a:rPr>
+              <a:t>         y</a:t>
+            </a:r>
+            <a:endParaRPr lang="en-US" dirty="0">
+              <a:solidFill>
+                <a:srgbClr val="FF0000"/>
+              </a:solidFill>
+            </a:endParaRPr>
+          </a:p>
+        </p:txBody>
+      </p:sp>
+      <p:sp>
+        <p:nvSpPr>
+          <p:cNvPr id="10" name="TextBox 9"/>
+          <p:cNvSpPr txBox="1"/>
+          <p:nvPr/>
+        </p:nvSpPr>
+        <p:spPr>
+          <a:xfrm>
+            <a:off x="3331030" y="4800600"/>
+            <a:ext cx="6359070" cy="1938992"/>
+          </a:xfrm>
+          <a:prstGeom prst="rect">
+            <a:avLst/>
+          </a:prstGeom>
+          <a:noFill/>
+          <a:ln>
+            <a:solidFill>
+              <a:schemeClr val="accent1">
+                <a:shade val="95000"/>
+                <a:satMod val="105000"/>
+              </a:schemeClr>
+            </a:solidFill>
+          </a:ln>
+        </p:spPr>
+        <p:txBody>
+          <a:bodyPr wrap="square" rtlCol="0">
+            <a:spAutoFit/>
+          </a:bodyPr>
+          <a:lstStyle/>
+          <a:p>
+            <a:r>
+              <a:rPr lang="en-US" dirty="0" smtClean="0">
+                <a:solidFill>
+                  <a:srgbClr val="FF0000"/>
+                </a:solidFill>
+              </a:rPr>
+              <a:t>LC3 code of </a:t>
+            </a:r>
+            <a:r>
+              <a:rPr lang="en-US" b="1" dirty="0" err="1">
+                <a:latin typeface="Courier" charset="0"/>
+                <a:ea typeface="Courier" charset="0"/>
+                <a:cs typeface="Courier" charset="0"/>
+              </a:rPr>
+              <a:t>student.UIN</a:t>
+            </a:r>
+            <a:r>
+              <a:rPr lang="en-US" b="1" dirty="0">
+                <a:latin typeface="Courier" charset="0"/>
+                <a:ea typeface="Courier" charset="0"/>
+                <a:cs typeface="Courier" charset="0"/>
+              </a:rPr>
+              <a:t>=0</a:t>
+            </a:r>
+            <a:r>
+              <a:rPr lang="en-US" b="1" dirty="0" smtClean="0">
+                <a:latin typeface="Courier" charset="0"/>
+                <a:ea typeface="Courier" charset="0"/>
+                <a:cs typeface="Courier" charset="0"/>
+              </a:rPr>
+              <a:t>;</a:t>
+            </a:r>
+          </a:p>
+          <a:p>
+            <a:endParaRPr lang="en-US" b="1" dirty="0" smtClean="0">
+              <a:latin typeface="Courier" charset="0"/>
+              <a:ea typeface="Courier" charset="0"/>
+              <a:cs typeface="Courier" charset="0"/>
+            </a:endParaRPr>
+          </a:p>
+          <a:p>
+            <a:r>
+              <a:rPr lang="en-US" b="1" dirty="0" smtClean="0">
+                <a:latin typeface="Courier" charset="0"/>
+                <a:ea typeface="Courier" charset="0"/>
+                <a:cs typeface="Courier" charset="0"/>
+              </a:rPr>
+              <a:t>AND R1, R1, #0;  </a:t>
+            </a:r>
+            <a:r>
+              <a:rPr lang="en-US" b="1" dirty="0" smtClean="0">
+                <a:solidFill>
+                  <a:schemeClr val="bg1">
+                    <a:lumMod val="50000"/>
+                  </a:schemeClr>
+                </a:solidFill>
+                <a:latin typeface="Courier" charset="0"/>
+                <a:ea typeface="Courier" charset="0"/>
+                <a:cs typeface="Courier" charset="0"/>
+              </a:rPr>
+              <a:t>zero out R1</a:t>
+            </a:r>
+          </a:p>
+          <a:p>
+            <a:r>
+              <a:rPr lang="en-US" b="1" dirty="0" smtClean="0">
+                <a:latin typeface="Courier" charset="0"/>
+                <a:ea typeface="Courier" charset="0"/>
+                <a:cs typeface="Courier" charset="0"/>
+              </a:rPr>
+              <a:t>AND R0,R5, #-22; </a:t>
+            </a:r>
+            <a:r>
+              <a:rPr lang="en-US" b="1" dirty="0" smtClean="0">
+                <a:solidFill>
+                  <a:schemeClr val="bg1">
+                    <a:lumMod val="50000"/>
+                  </a:schemeClr>
+                </a:solidFill>
+                <a:latin typeface="Courier" charset="0"/>
+                <a:ea typeface="Courier" charset="0"/>
+                <a:cs typeface="Courier" charset="0"/>
+              </a:rPr>
+              <a:t>R0 contains the base 						address of student</a:t>
+            </a:r>
+          </a:p>
+          <a:p>
+            <a:r>
+              <a:rPr lang="en-US" b="1" dirty="0" smtClean="0"/>
+              <a:t>STR R1, R0, #20            </a:t>
+            </a:r>
+            <a:r>
+              <a:rPr lang="en-US" b="1" dirty="0" smtClean="0">
+                <a:solidFill>
+                  <a:schemeClr val="bg1">
+                    <a:lumMod val="50000"/>
+                  </a:schemeClr>
+                </a:solidFill>
+              </a:rPr>
+              <a:t>;  </a:t>
+            </a:r>
+            <a:r>
+              <a:rPr lang="en-US" dirty="0" err="1" smtClean="0">
+                <a:solidFill>
+                  <a:schemeClr val="bg1">
+                    <a:lumMod val="50000"/>
+                  </a:schemeClr>
+                </a:solidFill>
+              </a:rPr>
+              <a:t>student.UIN</a:t>
+            </a:r>
+            <a:r>
+              <a:rPr lang="en-US" dirty="0" smtClean="0">
+                <a:solidFill>
+                  <a:schemeClr val="bg1">
+                    <a:lumMod val="50000"/>
+                  </a:schemeClr>
+                </a:solidFill>
+              </a:rPr>
+              <a:t>=0</a:t>
+            </a:r>
+            <a:endParaRPr lang="en-US" dirty="0">
+              <a:solidFill>
+                <a:schemeClr val="bg1">
+                  <a:lumMod val="50000"/>
+                </a:schemeClr>
+              </a:solidFill>
+            </a:endParaRPr>
+          </a:p>
+        </p:txBody>
+      </p:sp>
+      <p:sp>
+        <p:nvSpPr>
+          <p:cNvPr id="11" name="TextBox 10"/>
+          <p:cNvSpPr txBox="1"/>
+          <p:nvPr/>
+        </p:nvSpPr>
+        <p:spPr>
+          <a:xfrm>
+            <a:off x="6400802" y="3869871"/>
+            <a:ext cx="1540328" cy="400110"/>
+          </a:xfrm>
+          <a:prstGeom prst="rect">
+            <a:avLst/>
+          </a:prstGeom>
+          <a:noFill/>
+        </p:spPr>
+        <p:txBody>
+          <a:bodyPr wrap="square" rtlCol="0">
+            <a:spAutoFit/>
+          </a:bodyPr>
+          <a:lstStyle/>
+          <a:p>
+            <a:r>
+              <a:rPr lang="en-US" dirty="0" smtClean="0">
+                <a:solidFill>
+                  <a:srgbClr val="FF0000"/>
+                </a:solidFill>
+              </a:rPr>
+              <a:t>         R5</a:t>
+            </a:r>
+            <a:endParaRPr lang="en-US" dirty="0">
+              <a:solidFill>
+                <a:srgbClr val="FF0000"/>
+              </a:solidFill>
+            </a:endParaRPr>
+          </a:p>
+        </p:txBody>
+      </p:sp>
+      <p:cxnSp>
+        <p:nvCxnSpPr>
+          <p:cNvPr id="13" name="Straight Arrow Connector 12"/>
+          <p:cNvCxnSpPr>
+            <a:stCxn id="11" idx="0"/>
+          </p:cNvCxnSpPr>
+          <p:nvPr/>
+        </p:nvCxnSpPr>
+        <p:spPr>
+          <a:xfrm flipV="1">
+            <a:off x="7170966" y="967667"/>
+            <a:ext cx="0" cy="2902204"/>
+          </a:xfrm>
+          <a:prstGeom prst="straightConnector1">
+            <a:avLst/>
+          </a:prstGeom>
+          <a:ln w="12700">
+            <a:prstDash val="dash"/>
+            <a:tailEnd type="triangle"/>
+          </a:ln>
+        </p:spPr>
+        <p:style>
+          <a:lnRef idx="2">
+            <a:schemeClr val="accent1"/>
+          </a:lnRef>
+          <a:fillRef idx="0">
+            <a:schemeClr val="accent1"/>
+          </a:fillRef>
+          <a:effectRef idx="1">
+            <a:schemeClr val="accent1"/>
+          </a:effectRef>
+          <a:fontRef idx="minor">
+            <a:schemeClr val="tx1"/>
+          </a:fontRef>
+        </p:style>
+      </p:cxnSp>
+    </p:spTree>
+    <p:extLst>
+      <p:ext uri="{BB962C8B-B14F-4D97-AF65-F5344CB8AC3E}">
+        <p14:creationId xmlns:p14="http://schemas.microsoft.com/office/powerpoint/2010/main" val="3652013292"/>
+      </p:ext>
+    </p:extLst>
+  </p:cSld>
+  <p:clrMapOvr>
+    <a:masterClrMapping/>
+  </p:clrMapOvr>
+</p:sld>
+</file>
+
+<file path=ppt/slides/slide9.xml><?xml version="1.0" encoding="utf-8"?>
+<p:sld xmlns:a="http://schemas.openxmlformats.org/drawingml/2006/main" xmlns:r="http://schemas.openxmlformats.org/officeDocument/2006/relationships" xmlns:p="http://schemas.openxmlformats.org/presentationml/2006/main">
+  <p:cSld>
+    <p:spTree>
+      <p:nvGrpSpPr>
+        <p:cNvPr id="1" name=""/>
+        <p:cNvGrpSpPr/>
+        <p:nvPr/>
+      </p:nvGrpSpPr>
+      <p:grpSpPr>
+        <a:xfrm>
+          <a:off x="0" y="0"/>
+          <a:ext cx="0" cy="0"/>
+          <a:chOff x="0" y="0"/>
+          <a:chExt cx="0" cy="0"/>
+        </a:xfrm>
+      </p:grpSpPr>
+      <p:sp>
+        <p:nvSpPr>
+          <p:cNvPr id="2" name="Text Placeholder 1"/>
+          <p:cNvSpPr>
+            <a:spLocks noGrp="1"/>
+          </p:cNvSpPr>
+          <p:nvPr>
+            <p:ph type="body" sz="quarter" idx="10"/>
+          </p:nvPr>
+        </p:nvSpPr>
+        <p:spPr>
+          <a:xfrm>
+            <a:off x="145143" y="197577"/>
+            <a:ext cx="9245600" cy="742950"/>
+          </a:xfrm>
+        </p:spPr>
+        <p:txBody>
+          <a:bodyPr/>
+          <a:lstStyle/>
+          <a:p>
+            <a:r>
+              <a:rPr lang="en-US" dirty="0"/>
+              <a:t>Using </a:t>
+            </a:r>
+            <a:r>
+              <a:rPr lang="en-US" dirty="0" err="1"/>
+              <a:t>typedef</a:t>
+            </a:r>
+            <a:endParaRPr lang="en-US" dirty="0"/>
+          </a:p>
+        </p:txBody>
+      </p:sp>
+      <p:sp>
+        <p:nvSpPr>
+          <p:cNvPr id="3" name="Text Placeholder 2"/>
+          <p:cNvSpPr>
+            <a:spLocks noGrp="1"/>
+          </p:cNvSpPr>
+          <p:nvPr>
+            <p:ph type="body" sz="quarter" idx="12"/>
+          </p:nvPr>
+        </p:nvSpPr>
+        <p:spPr>
+          <a:xfrm>
+            <a:off x="444500" y="1135722"/>
+            <a:ext cx="9245600" cy="5696151"/>
+          </a:xfrm>
+        </p:spPr>
+        <p:txBody>
+          <a:bodyPr/>
+          <a:lstStyle/>
+          <a:p>
+            <a:pPr lvl="0"/>
+            <a:r>
+              <a:rPr lang="en-US" sz="2400" dirty="0"/>
+              <a:t>C allows to give names to user-defined data types using typedef keyword.  Thus, we can give an alternative (shorter) name to “struct tag“:</a:t>
+            </a:r>
+          </a:p>
+          <a:p>
+            <a:pPr lvl="1"/>
+            <a:r>
+              <a:rPr lang="en-US" sz="2400" dirty="0"/>
+              <a:t>typedef struct tag </a:t>
+            </a:r>
+            <a:r>
+              <a:rPr lang="en-US" sz="2400" dirty="0" err="1"/>
+              <a:t>myType</a:t>
+            </a:r>
+            <a:r>
+              <a:rPr lang="en-US" sz="2400" dirty="0"/>
+              <a:t>;</a:t>
+            </a:r>
+            <a:br>
+              <a:rPr lang="en-US" sz="2400" dirty="0"/>
+            </a:br>
+            <a:r>
+              <a:rPr lang="en-US" sz="2400" dirty="0" err="1"/>
+              <a:t>myType</a:t>
+            </a:r>
+            <a:r>
+              <a:rPr lang="en-US" sz="2400" dirty="0"/>
+              <a:t> &lt;</a:t>
+            </a:r>
+            <a:r>
+              <a:rPr lang="en-US" sz="2400" dirty="0" err="1"/>
+              <a:t>varName</a:t>
+            </a:r>
+            <a:r>
+              <a:rPr lang="en-US" sz="2400" dirty="0"/>
+              <a:t>&gt;;</a:t>
+            </a:r>
+          </a:p>
+          <a:p>
+            <a:pPr lvl="1"/>
+            <a:r>
+              <a:rPr lang="en-US" sz="2400" dirty="0"/>
+              <a:t>here old name “struct tag” will be given a new name </a:t>
+            </a:r>
+            <a:r>
+              <a:rPr lang="en-US" sz="2400" dirty="0" err="1"/>
+              <a:t>myType</a:t>
+            </a:r>
+            <a:r>
+              <a:rPr lang="en-US" sz="2400" dirty="0"/>
+              <a:t>.</a:t>
+            </a:r>
+          </a:p>
+          <a:p>
+            <a:pPr marL="0" indent="0">
+              <a:buNone/>
+            </a:pPr>
+            <a:endParaRPr lang="en-US" sz="1800" b="1" dirty="0">
+              <a:latin typeface="Courier" charset="0"/>
+              <a:ea typeface="Courier" charset="0"/>
+              <a:cs typeface="Courier" charset="0"/>
+            </a:endParaRPr>
+          </a:p>
+          <a:p>
+            <a:pPr marL="0" indent="0">
+              <a:buNone/>
+            </a:pPr>
+            <a:r>
+              <a:rPr lang="en-US" sz="1800" b="1" dirty="0">
+                <a:latin typeface="Courier" charset="0"/>
+                <a:ea typeface="Courier" charset="0"/>
+                <a:cs typeface="Courier" charset="0"/>
+              </a:rPr>
+              <a:t>struct </a:t>
+            </a:r>
+            <a:r>
+              <a:rPr lang="en-US" sz="1800" b="1" dirty="0" err="1">
+                <a:latin typeface="Courier" charset="0"/>
+                <a:ea typeface="Courier" charset="0"/>
+                <a:cs typeface="Courier" charset="0"/>
+              </a:rPr>
+              <a:t>StudentStruct</a:t>
+            </a:r>
+            <a:endParaRPr lang="en-US" sz="1800" b="1" dirty="0">
+              <a:latin typeface="Courier" charset="0"/>
+              <a:ea typeface="Courier" charset="0"/>
+              <a:cs typeface="Courier" charset="0"/>
+            </a:endParaRPr>
+          </a:p>
+          <a:p>
+            <a:pPr marL="0" indent="0">
+              <a:buNone/>
+            </a:pPr>
+            <a:r>
+              <a:rPr lang="en-US" sz="1800" b="1" dirty="0">
+                <a:latin typeface="Courier" charset="0"/>
+                <a:ea typeface="Courier" charset="0"/>
+                <a:cs typeface="Courier" charset="0"/>
+              </a:rPr>
+              <a:t>{</a:t>
+            </a:r>
+          </a:p>
+          <a:p>
+            <a:pPr marL="0" indent="0">
+              <a:buNone/>
+            </a:pPr>
+            <a:r>
+              <a:rPr lang="en-US" sz="1800" b="1" dirty="0">
+                <a:latin typeface="Courier" charset="0"/>
+                <a:ea typeface="Courier" charset="0"/>
+                <a:cs typeface="Courier" charset="0"/>
+              </a:rPr>
+              <a:t>	char Name[100];</a:t>
+            </a:r>
+          </a:p>
+          <a:p>
+            <a:pPr marL="0" indent="0">
+              <a:buNone/>
+            </a:pPr>
+            <a:r>
+              <a:rPr lang="en-US" sz="1800" b="1" dirty="0">
+                <a:latin typeface="Courier" charset="0"/>
+                <a:ea typeface="Courier" charset="0"/>
+                <a:cs typeface="Courier" charset="0"/>
+              </a:rPr>
+              <a:t>	</a:t>
+            </a:r>
+            <a:r>
+              <a:rPr lang="en-US" sz="1800" b="1" dirty="0" err="1">
+                <a:latin typeface="Courier" charset="0"/>
+                <a:ea typeface="Courier" charset="0"/>
+                <a:cs typeface="Courier" charset="0"/>
+              </a:rPr>
+              <a:t>int</a:t>
+            </a:r>
+            <a:r>
+              <a:rPr lang="en-US" sz="1800" b="1" dirty="0">
+                <a:latin typeface="Courier" charset="0"/>
+                <a:ea typeface="Courier" charset="0"/>
+                <a:cs typeface="Courier" charset="0"/>
+              </a:rPr>
+              <a:t> UIN;</a:t>
+            </a:r>
+          </a:p>
+          <a:p>
+            <a:pPr marL="0" indent="0">
+              <a:buNone/>
+            </a:pPr>
+            <a:r>
+              <a:rPr lang="en-US" sz="1800" b="1" dirty="0">
+                <a:latin typeface="Courier" charset="0"/>
+                <a:ea typeface="Courier" charset="0"/>
+                <a:cs typeface="Courier" charset="0"/>
+              </a:rPr>
+              <a:t>	float GPA;</a:t>
+            </a:r>
+          </a:p>
+          <a:p>
+            <a:pPr marL="0" indent="0">
+              <a:buNone/>
+            </a:pPr>
+            <a:r>
+              <a:rPr lang="en-US" sz="1800" b="1" dirty="0" smtClean="0">
+                <a:latin typeface="Courier" charset="0"/>
+                <a:ea typeface="Courier" charset="0"/>
+                <a:cs typeface="Courier" charset="0"/>
+              </a:rPr>
+              <a:t>}student;</a:t>
+            </a:r>
+            <a:endParaRPr lang="en-US" sz="1800" b="1" dirty="0">
+              <a:latin typeface="Courier" charset="0"/>
+              <a:ea typeface="Courier" charset="0"/>
+              <a:cs typeface="Courier" charset="0"/>
+            </a:endParaRPr>
+          </a:p>
+          <a:p>
+            <a:pPr marL="0" indent="0">
+              <a:buNone/>
+            </a:pPr>
+            <a:r>
+              <a:rPr lang="en-US" sz="1800" b="1" dirty="0" err="1">
+                <a:solidFill>
+                  <a:srgbClr val="7030A0"/>
+                </a:solidFill>
+                <a:latin typeface="Courier" charset="0"/>
+                <a:ea typeface="Courier" charset="0"/>
+                <a:cs typeface="Courier" charset="0"/>
+              </a:rPr>
+              <a:t>typedef</a:t>
+            </a:r>
+            <a:r>
+              <a:rPr lang="en-US" sz="1800" b="1" dirty="0">
+                <a:solidFill>
+                  <a:srgbClr val="7030A0"/>
+                </a:solidFill>
+                <a:latin typeface="Courier" charset="0"/>
+                <a:ea typeface="Courier" charset="0"/>
+                <a:cs typeface="Courier" charset="0"/>
+              </a:rPr>
+              <a:t> </a:t>
+            </a:r>
+            <a:r>
+              <a:rPr lang="en-US" sz="1800" b="1" dirty="0" err="1">
+                <a:solidFill>
+                  <a:schemeClr val="bg2">
+                    <a:lumMod val="25000"/>
+                  </a:schemeClr>
+                </a:solidFill>
+                <a:latin typeface="Courier" charset="0"/>
+                <a:ea typeface="Courier" charset="0"/>
+                <a:cs typeface="Courier" charset="0"/>
+              </a:rPr>
+              <a:t>struct</a:t>
+            </a:r>
+            <a:r>
+              <a:rPr lang="en-US" sz="1800" b="1" dirty="0">
+                <a:solidFill>
+                  <a:schemeClr val="bg2">
+                    <a:lumMod val="25000"/>
+                  </a:schemeClr>
+                </a:solidFill>
+                <a:latin typeface="Courier" charset="0"/>
+                <a:ea typeface="Courier" charset="0"/>
+                <a:cs typeface="Courier" charset="0"/>
+              </a:rPr>
+              <a:t> </a:t>
+            </a:r>
+            <a:r>
+              <a:rPr lang="en-US" sz="1800" b="1" dirty="0" err="1">
+                <a:solidFill>
+                  <a:srgbClr val="0070C0"/>
+                </a:solidFill>
+                <a:latin typeface="Courier" charset="0"/>
+                <a:ea typeface="Courier" charset="0"/>
+                <a:cs typeface="Courier" charset="0"/>
+              </a:rPr>
+              <a:t>StudentStruct</a:t>
+            </a:r>
+            <a:r>
+              <a:rPr lang="en-US" sz="1800" b="1" dirty="0">
+                <a:solidFill>
+                  <a:srgbClr val="0070C0"/>
+                </a:solidFill>
+                <a:latin typeface="Courier" charset="0"/>
+                <a:ea typeface="Courier" charset="0"/>
+                <a:cs typeface="Courier" charset="0"/>
+              </a:rPr>
+              <a:t> </a:t>
+            </a:r>
+            <a:r>
+              <a:rPr lang="en-US" sz="1800" b="1" dirty="0">
+                <a:solidFill>
+                  <a:schemeClr val="accent2">
+                    <a:lumMod val="50000"/>
+                  </a:schemeClr>
+                </a:solidFill>
+                <a:latin typeface="Courier" charset="0"/>
+                <a:ea typeface="Courier" charset="0"/>
+                <a:cs typeface="Courier" charset="0"/>
+              </a:rPr>
+              <a:t>student</a:t>
+            </a:r>
+            <a:r>
+              <a:rPr lang="en-US" sz="1800" b="1" dirty="0">
+                <a:latin typeface="Courier" charset="0"/>
+                <a:ea typeface="Courier" charset="0"/>
+                <a:cs typeface="Courier" charset="0"/>
+              </a:rPr>
+              <a:t>;</a:t>
+            </a:r>
+          </a:p>
+          <a:p>
+            <a:pPr marL="0" indent="0">
+              <a:buNone/>
+            </a:pPr>
+            <a:r>
+              <a:rPr lang="en-US" sz="1800" b="1" dirty="0">
+                <a:latin typeface="Courier" charset="0"/>
+                <a:ea typeface="Courier" charset="0"/>
+                <a:cs typeface="Courier" charset="0"/>
+              </a:rPr>
+              <a:t>student s1, s2;</a:t>
+            </a:r>
+          </a:p>
+          <a:p>
+            <a:pPr marL="0" indent="0">
+              <a:buNone/>
+            </a:pPr>
+            <a:endParaRPr lang="en-US" sz="1000" b="1" dirty="0">
+              <a:latin typeface="Courier" charset="0"/>
+              <a:ea typeface="Courier" charset="0"/>
+              <a:cs typeface="Courier" charset="0"/>
+            </a:endParaRPr>
+          </a:p>
+          <a:p>
+            <a:pPr marL="0" indent="0">
+              <a:buNone/>
+            </a:pPr>
+            <a:endParaRPr lang="en-US" sz="1800" b="1" dirty="0">
+              <a:latin typeface="Courier" charset="0"/>
+              <a:ea typeface="Courier" charset="0"/>
+              <a:cs typeface="Courier" charset="0"/>
+            </a:endParaRPr>
+          </a:p>
+          <a:p>
+            <a:pPr marL="0" marR="0" lvl="0" indent="0" defTabSz="914400" eaLnBrk="1" fontAlgn="auto" latinLnBrk="0" hangingPunct="1">
+              <a:lnSpc>
+                <a:spcPct val="100000"/>
+              </a:lnSpc>
+              <a:spcBef>
+                <a:spcPts val="0"/>
+              </a:spcBef>
+              <a:spcAft>
+                <a:spcPts val="0"/>
+              </a:spcAft>
+              <a:buClrTx/>
+              <a:buSzTx/>
+              <a:buFontTx/>
+              <a:buNone/>
+              <a:tabLst/>
+              <a:defRPr/>
+            </a:pPr>
+            <a:endParaRPr lang="en-US" sz="1800" dirty="0"/>
+          </a:p>
+        </p:txBody>
+      </p:sp>
+      <p:sp>
+        <p:nvSpPr>
+          <p:cNvPr id="4" name="TextBox 3"/>
+          <p:cNvSpPr txBox="1"/>
+          <p:nvPr/>
+        </p:nvSpPr>
+        <p:spPr>
+          <a:xfrm>
+            <a:off x="9647865" y="6614044"/>
+            <a:ext cx="314510" cy="400110"/>
+          </a:xfrm>
+          <a:prstGeom prst="rect">
+            <a:avLst/>
+          </a:prstGeom>
+          <a:noFill/>
+        </p:spPr>
+        <p:txBody>
+          <a:bodyPr wrap="none" rtlCol="0">
+            <a:spAutoFit/>
+          </a:bodyPr>
+          <a:lstStyle/>
+          <a:p>
+            <a:r>
+              <a:rPr lang="en-US" dirty="0"/>
+              <a:t>5</a:t>
+            </a:r>
+          </a:p>
+        </p:txBody>
+      </p:sp>
+    </p:spTree>
+    <p:extLst>
+      <p:ext uri="{BB962C8B-B14F-4D97-AF65-F5344CB8AC3E}">
+        <p14:creationId xmlns:p14="http://schemas.microsoft.com/office/powerpoint/2010/main" val="2079079591"/>
       </p:ext>
     </p:extLst>
   </p:cSld>
